--- a/BombRect/BombRect_Client/Assets/새 Microsoft PowerPoint 프레젠테이션.pptx
+++ b/BombRect/BombRect_Client/Assets/새 Microsoft PowerPoint 프레젠테이션.pptx
@@ -104,6 +104,11 @@
       </a:defRPr>
     </a:lvl9pPr>
   </p:defaultTextStyle>
+  <p:extLst>
+    <p:ext uri="{EFAFB233-063F-42B5-8137-9DF3F51BA10A}">
+      <p15:sldGuideLst xmlns:p15="http://schemas.microsoft.com/office/powerpoint/2012/main"/>
+    </p:ext>
+  </p:extLst>
 </p:presentation>
 </file>
 
@@ -254,7 +259,7 @@
           <a:p>
             <a:fld id="{A591DDAC-4A5E-4063-A4EC-ECA2DA426431}" type="datetimeFigureOut">
               <a:rPr lang="ko-KR" altLang="en-US" smtClean="0"/>
-              <a:t>2020-11-28</a:t>
+              <a:t>2020-12-05</a:t>
             </a:fld>
             <a:endParaRPr lang="ko-KR" altLang="en-US"/>
           </a:p>
@@ -452,7 +457,7 @@
           <a:p>
             <a:fld id="{A591DDAC-4A5E-4063-A4EC-ECA2DA426431}" type="datetimeFigureOut">
               <a:rPr lang="ko-KR" altLang="en-US" smtClean="0"/>
-              <a:t>2020-11-28</a:t>
+              <a:t>2020-12-05</a:t>
             </a:fld>
             <a:endParaRPr lang="ko-KR" altLang="en-US"/>
           </a:p>
@@ -660,7 +665,7 @@
           <a:p>
             <a:fld id="{A591DDAC-4A5E-4063-A4EC-ECA2DA426431}" type="datetimeFigureOut">
               <a:rPr lang="ko-KR" altLang="en-US" smtClean="0"/>
-              <a:t>2020-11-28</a:t>
+              <a:t>2020-12-05</a:t>
             </a:fld>
             <a:endParaRPr lang="ko-KR" altLang="en-US"/>
           </a:p>
@@ -858,7 +863,7 @@
           <a:p>
             <a:fld id="{A591DDAC-4A5E-4063-A4EC-ECA2DA426431}" type="datetimeFigureOut">
               <a:rPr lang="ko-KR" altLang="en-US" smtClean="0"/>
-              <a:t>2020-11-28</a:t>
+              <a:t>2020-12-05</a:t>
             </a:fld>
             <a:endParaRPr lang="ko-KR" altLang="en-US"/>
           </a:p>
@@ -1133,7 +1138,7 @@
           <a:p>
             <a:fld id="{A591DDAC-4A5E-4063-A4EC-ECA2DA426431}" type="datetimeFigureOut">
               <a:rPr lang="ko-KR" altLang="en-US" smtClean="0"/>
-              <a:t>2020-11-28</a:t>
+              <a:t>2020-12-05</a:t>
             </a:fld>
             <a:endParaRPr lang="ko-KR" altLang="en-US"/>
           </a:p>
@@ -1398,7 +1403,7 @@
           <a:p>
             <a:fld id="{A591DDAC-4A5E-4063-A4EC-ECA2DA426431}" type="datetimeFigureOut">
               <a:rPr lang="ko-KR" altLang="en-US" smtClean="0"/>
-              <a:t>2020-11-28</a:t>
+              <a:t>2020-12-05</a:t>
             </a:fld>
             <a:endParaRPr lang="ko-KR" altLang="en-US"/>
           </a:p>
@@ -1810,7 +1815,7 @@
           <a:p>
             <a:fld id="{A591DDAC-4A5E-4063-A4EC-ECA2DA426431}" type="datetimeFigureOut">
               <a:rPr lang="ko-KR" altLang="en-US" smtClean="0"/>
-              <a:t>2020-11-28</a:t>
+              <a:t>2020-12-05</a:t>
             </a:fld>
             <a:endParaRPr lang="ko-KR" altLang="en-US"/>
           </a:p>
@@ -1951,7 +1956,7 @@
           <a:p>
             <a:fld id="{A591DDAC-4A5E-4063-A4EC-ECA2DA426431}" type="datetimeFigureOut">
               <a:rPr lang="ko-KR" altLang="en-US" smtClean="0"/>
-              <a:t>2020-11-28</a:t>
+              <a:t>2020-12-05</a:t>
             </a:fld>
             <a:endParaRPr lang="ko-KR" altLang="en-US"/>
           </a:p>
@@ -2064,7 +2069,7 @@
           <a:p>
             <a:fld id="{A591DDAC-4A5E-4063-A4EC-ECA2DA426431}" type="datetimeFigureOut">
               <a:rPr lang="ko-KR" altLang="en-US" smtClean="0"/>
-              <a:t>2020-11-28</a:t>
+              <a:t>2020-12-05</a:t>
             </a:fld>
             <a:endParaRPr lang="ko-KR" altLang="en-US"/>
           </a:p>
@@ -2375,7 +2380,7 @@
           <a:p>
             <a:fld id="{A591DDAC-4A5E-4063-A4EC-ECA2DA426431}" type="datetimeFigureOut">
               <a:rPr lang="ko-KR" altLang="en-US" smtClean="0"/>
-              <a:t>2020-11-28</a:t>
+              <a:t>2020-12-05</a:t>
             </a:fld>
             <a:endParaRPr lang="ko-KR" altLang="en-US"/>
           </a:p>
@@ -2663,7 +2668,7 @@
           <a:p>
             <a:fld id="{A591DDAC-4A5E-4063-A4EC-ECA2DA426431}" type="datetimeFigureOut">
               <a:rPr lang="ko-KR" altLang="en-US" smtClean="0"/>
-              <a:t>2020-11-28</a:t>
+              <a:t>2020-12-05</a:t>
             </a:fld>
             <a:endParaRPr lang="ko-KR" altLang="en-US"/>
           </a:p>
@@ -2904,7 +2909,7 @@
           <a:p>
             <a:fld id="{A591DDAC-4A5E-4063-A4EC-ECA2DA426431}" type="datetimeFigureOut">
               <a:rPr lang="ko-KR" altLang="en-US" smtClean="0"/>
-              <a:t>2020-11-28</a:t>
+              <a:t>2020-12-05</a:t>
             </a:fld>
             <a:endParaRPr lang="ko-KR" altLang="en-US"/>
           </a:p>
@@ -3321,6 +3326,73 @@
           <a:chExt cx="0" cy="0"/>
         </a:xfrm>
       </p:grpSpPr>
+      <p:sp>
+        <p:nvSpPr>
+          <p:cNvPr id="10" name="TextBox 9">
+            <a:extLst>
+              <a:ext uri="{FF2B5EF4-FFF2-40B4-BE49-F238E27FC236}">
+                <a16:creationId xmlns:a16="http://schemas.microsoft.com/office/drawing/2014/main" id="{BCB37CDC-F50A-4F7C-8CFB-35883FB6D12D}"/>
+              </a:ext>
+            </a:extLst>
+          </p:cNvPr>
+          <p:cNvSpPr txBox="1"/>
+          <p:nvPr/>
+        </p:nvSpPr>
+        <p:spPr>
+          <a:xfrm>
+            <a:off x="4851401" y="1312334"/>
+            <a:ext cx="5019323" cy="1323439"/>
+          </a:xfrm>
+          <a:prstGeom prst="rect">
+            <a:avLst/>
+          </a:prstGeom>
+          <a:noFill/>
+          <a:effectLst>
+            <a:outerShdw dist="63500" dir="2700000" algn="tl" rotWithShape="0">
+              <a:prstClr val="black">
+                <a:alpha val="70000"/>
+              </a:prstClr>
+            </a:outerShdw>
+          </a:effectLst>
+        </p:spPr>
+        <p:txBody>
+          <a:bodyPr wrap="none" rtlCol="0">
+            <a:spAutoFit/>
+          </a:bodyPr>
+          <a:lstStyle/>
+          <a:p>
+            <a:r>
+              <a:rPr lang="en-US" altLang="ko-KR" sz="8000" b="1" dirty="0" err="1">
+                <a:ln w="38100">
+                  <a:solidFill>
+                    <a:schemeClr val="bg2">
+                      <a:lumMod val="10000"/>
+                    </a:schemeClr>
+                  </a:solidFill>
+                </a:ln>
+                <a:solidFill>
+                  <a:schemeClr val="bg1"/>
+                </a:solidFill>
+                <a:latin typeface="Comic Sans MS" panose="030F0702030302020204" pitchFamily="66" charset="0"/>
+              </a:rPr>
+              <a:t>BombRect</a:t>
+            </a:r>
+            <a:endParaRPr lang="ko-KR" altLang="en-US" sz="8000" b="1" dirty="0">
+              <a:ln w="38100">
+                <a:solidFill>
+                  <a:schemeClr val="bg2">
+                    <a:lumMod val="10000"/>
+                  </a:schemeClr>
+                </a:solidFill>
+              </a:ln>
+              <a:solidFill>
+                <a:schemeClr val="bg1"/>
+              </a:solidFill>
+              <a:latin typeface="Comic Sans MS" panose="030F0702030302020204" pitchFamily="66" charset="0"/>
+            </a:endParaRPr>
+          </a:p>
+        </p:txBody>
+      </p:sp>
     </p:spTree>
     <p:extLst>
       <p:ext uri="{BB962C8B-B14F-4D97-AF65-F5344CB8AC3E}">
@@ -3337,7 +3409,7 @@
 <file path=ppt/theme/theme1.xml><?xml version="1.0" encoding="utf-8"?>
 <a:theme xmlns:a="http://schemas.openxmlformats.org/drawingml/2006/main" name="Office 테마">
   <a:themeElements>
-    <a:clrScheme name="Office">
+    <a:clrScheme name="노랑">
       <a:dk1>
         <a:sysClr val="windowText" lastClr="000000"/>
       </a:dk1>
@@ -3345,34 +3417,34 @@
         <a:sysClr val="window" lastClr="FFFFFF"/>
       </a:lt1>
       <a:dk2>
-        <a:srgbClr val="44546A"/>
+        <a:srgbClr val="39302A"/>
       </a:dk2>
       <a:lt2>
-        <a:srgbClr val="E7E6E6"/>
+        <a:srgbClr val="E5DEDB"/>
       </a:lt2>
       <a:accent1>
-        <a:srgbClr val="4472C4"/>
+        <a:srgbClr val="FFCA08"/>
       </a:accent1>
       <a:accent2>
-        <a:srgbClr val="ED7D31"/>
+        <a:srgbClr val="F8931D"/>
       </a:accent2>
       <a:accent3>
-        <a:srgbClr val="A5A5A5"/>
+        <a:srgbClr val="CE8D3E"/>
       </a:accent3>
       <a:accent4>
-        <a:srgbClr val="FFC000"/>
+        <a:srgbClr val="EC7016"/>
       </a:accent4>
       <a:accent5>
-        <a:srgbClr val="5B9BD5"/>
+        <a:srgbClr val="E64823"/>
       </a:accent5>
       <a:accent6>
-        <a:srgbClr val="70AD47"/>
+        <a:srgbClr val="9C6A6A"/>
       </a:accent6>
       <a:hlink>
-        <a:srgbClr val="0563C1"/>
+        <a:srgbClr val="2998E3"/>
       </a:hlink>
       <a:folHlink>
-        <a:srgbClr val="954F72"/>
+        <a:srgbClr val="7F723D"/>
       </a:folHlink>
     </a:clrScheme>
     <a:fontScheme name="Office">

--- a/BombRect/BombRect_Client/Assets/새 Microsoft PowerPoint 프레젠테이션.pptx
+++ b/BombRect/BombRect_Client/Assets/새 Microsoft PowerPoint 프레젠테이션.pptx
@@ -3393,6 +3393,48 @@
           </a:p>
         </p:txBody>
       </p:sp>
+      <p:sp>
+        <p:nvSpPr>
+          <p:cNvPr id="3" name="TextBox 2">
+            <a:extLst>
+              <a:ext uri="{FF2B5EF4-FFF2-40B4-BE49-F238E27FC236}">
+                <a16:creationId xmlns:a16="http://schemas.microsoft.com/office/drawing/2014/main" id="{636BBABF-76C2-46D7-9CF6-67F828197CA5}"/>
+              </a:ext>
+            </a:extLst>
+          </p:cNvPr>
+          <p:cNvSpPr txBox="1"/>
+          <p:nvPr/>
+        </p:nvSpPr>
+        <p:spPr>
+          <a:xfrm>
+            <a:off x="5939163" y="3429000"/>
+            <a:ext cx="1961964" cy="584775"/>
+          </a:xfrm>
+          <a:prstGeom prst="rect">
+            <a:avLst/>
+          </a:prstGeom>
+          <a:noFill/>
+        </p:spPr>
+        <p:txBody>
+          <a:bodyPr wrap="square" rtlCol="0">
+            <a:spAutoFit/>
+          </a:bodyPr>
+          <a:lstStyle/>
+          <a:p>
+            <a:r>
+              <a:rPr lang="en-US" altLang="ko-KR" sz="3200" b="1" dirty="0">
+                <a:latin typeface="Cavolini" panose="03000502040302020204" pitchFamily="66" charset="0"/>
+                <a:cs typeface="Cavolini" panose="03000502040302020204" pitchFamily="66" charset="0"/>
+              </a:rPr>
+              <a:t>READY!</a:t>
+            </a:r>
+            <a:endParaRPr lang="ko-KR" altLang="en-US" sz="3200" b="1" dirty="0">
+              <a:latin typeface="Cavolini" panose="03000502040302020204" pitchFamily="66" charset="0"/>
+              <a:cs typeface="Cavolini" panose="03000502040302020204" pitchFamily="66" charset="0"/>
+            </a:endParaRPr>
+          </a:p>
+        </p:txBody>
+      </p:sp>
     </p:spTree>
     <p:extLst>
       <p:ext uri="{BB962C8B-B14F-4D97-AF65-F5344CB8AC3E}">
@@ -3409,7 +3451,7 @@
 <file path=ppt/theme/theme1.xml><?xml version="1.0" encoding="utf-8"?>
 <a:theme xmlns:a="http://schemas.openxmlformats.org/drawingml/2006/main" name="Office 테마">
   <a:themeElements>
-    <a:clrScheme name="노랑">
+    <a:clrScheme name="종이">
       <a:dk1>
         <a:sysClr val="windowText" lastClr="000000"/>
       </a:dk1>
@@ -3417,34 +3459,34 @@
         <a:sysClr val="window" lastClr="FFFFFF"/>
       </a:lt1>
       <a:dk2>
-        <a:srgbClr val="39302A"/>
+        <a:srgbClr val="444D26"/>
       </a:dk2>
       <a:lt2>
-        <a:srgbClr val="E5DEDB"/>
+        <a:srgbClr val="FEFAC9"/>
       </a:lt2>
       <a:accent1>
-        <a:srgbClr val="FFCA08"/>
+        <a:srgbClr val="A5B592"/>
       </a:accent1>
       <a:accent2>
-        <a:srgbClr val="F8931D"/>
+        <a:srgbClr val="F3A447"/>
       </a:accent2>
       <a:accent3>
-        <a:srgbClr val="CE8D3E"/>
+        <a:srgbClr val="E7BC29"/>
       </a:accent3>
       <a:accent4>
-        <a:srgbClr val="EC7016"/>
+        <a:srgbClr val="D092A7"/>
       </a:accent4>
       <a:accent5>
-        <a:srgbClr val="E64823"/>
+        <a:srgbClr val="9C85C0"/>
       </a:accent5>
       <a:accent6>
-        <a:srgbClr val="9C6A6A"/>
+        <a:srgbClr val="809EC2"/>
       </a:accent6>
       <a:hlink>
-        <a:srgbClr val="2998E3"/>
+        <a:srgbClr val="8E58B6"/>
       </a:hlink>
       <a:folHlink>
-        <a:srgbClr val="7F723D"/>
+        <a:srgbClr val="7F6F6F"/>
       </a:folHlink>
     </a:clrScheme>
     <a:fontScheme name="Office">

--- a/BombRect/BombRect_Client/Assets/새 Microsoft PowerPoint 프레젠테이션.pptx
+++ b/BombRect/BombRect_Client/Assets/새 Microsoft PowerPoint 프레젠테이션.pptx
@@ -259,7 +259,7 @@
           <a:p>
             <a:fld id="{A591DDAC-4A5E-4063-A4EC-ECA2DA426431}" type="datetimeFigureOut">
               <a:rPr lang="ko-KR" altLang="en-US" smtClean="0"/>
-              <a:t>2020-12-05</a:t>
+              <a:t>2020-12-06</a:t>
             </a:fld>
             <a:endParaRPr lang="ko-KR" altLang="en-US"/>
           </a:p>
@@ -457,7 +457,7 @@
           <a:p>
             <a:fld id="{A591DDAC-4A5E-4063-A4EC-ECA2DA426431}" type="datetimeFigureOut">
               <a:rPr lang="ko-KR" altLang="en-US" smtClean="0"/>
-              <a:t>2020-12-05</a:t>
+              <a:t>2020-12-06</a:t>
             </a:fld>
             <a:endParaRPr lang="ko-KR" altLang="en-US"/>
           </a:p>
@@ -665,7 +665,7 @@
           <a:p>
             <a:fld id="{A591DDAC-4A5E-4063-A4EC-ECA2DA426431}" type="datetimeFigureOut">
               <a:rPr lang="ko-KR" altLang="en-US" smtClean="0"/>
-              <a:t>2020-12-05</a:t>
+              <a:t>2020-12-06</a:t>
             </a:fld>
             <a:endParaRPr lang="ko-KR" altLang="en-US"/>
           </a:p>
@@ -863,7 +863,7 @@
           <a:p>
             <a:fld id="{A591DDAC-4A5E-4063-A4EC-ECA2DA426431}" type="datetimeFigureOut">
               <a:rPr lang="ko-KR" altLang="en-US" smtClean="0"/>
-              <a:t>2020-12-05</a:t>
+              <a:t>2020-12-06</a:t>
             </a:fld>
             <a:endParaRPr lang="ko-KR" altLang="en-US"/>
           </a:p>
@@ -1138,7 +1138,7 @@
           <a:p>
             <a:fld id="{A591DDAC-4A5E-4063-A4EC-ECA2DA426431}" type="datetimeFigureOut">
               <a:rPr lang="ko-KR" altLang="en-US" smtClean="0"/>
-              <a:t>2020-12-05</a:t>
+              <a:t>2020-12-06</a:t>
             </a:fld>
             <a:endParaRPr lang="ko-KR" altLang="en-US"/>
           </a:p>
@@ -1403,7 +1403,7 @@
           <a:p>
             <a:fld id="{A591DDAC-4A5E-4063-A4EC-ECA2DA426431}" type="datetimeFigureOut">
               <a:rPr lang="ko-KR" altLang="en-US" smtClean="0"/>
-              <a:t>2020-12-05</a:t>
+              <a:t>2020-12-06</a:t>
             </a:fld>
             <a:endParaRPr lang="ko-KR" altLang="en-US"/>
           </a:p>
@@ -1815,7 +1815,7 @@
           <a:p>
             <a:fld id="{A591DDAC-4A5E-4063-A4EC-ECA2DA426431}" type="datetimeFigureOut">
               <a:rPr lang="ko-KR" altLang="en-US" smtClean="0"/>
-              <a:t>2020-12-05</a:t>
+              <a:t>2020-12-06</a:t>
             </a:fld>
             <a:endParaRPr lang="ko-KR" altLang="en-US"/>
           </a:p>
@@ -1956,7 +1956,7 @@
           <a:p>
             <a:fld id="{A591DDAC-4A5E-4063-A4EC-ECA2DA426431}" type="datetimeFigureOut">
               <a:rPr lang="ko-KR" altLang="en-US" smtClean="0"/>
-              <a:t>2020-12-05</a:t>
+              <a:t>2020-12-06</a:t>
             </a:fld>
             <a:endParaRPr lang="ko-KR" altLang="en-US"/>
           </a:p>
@@ -2069,7 +2069,7 @@
           <a:p>
             <a:fld id="{A591DDAC-4A5E-4063-A4EC-ECA2DA426431}" type="datetimeFigureOut">
               <a:rPr lang="ko-KR" altLang="en-US" smtClean="0"/>
-              <a:t>2020-12-05</a:t>
+              <a:t>2020-12-06</a:t>
             </a:fld>
             <a:endParaRPr lang="ko-KR" altLang="en-US"/>
           </a:p>
@@ -2380,7 +2380,7 @@
           <a:p>
             <a:fld id="{A591DDAC-4A5E-4063-A4EC-ECA2DA426431}" type="datetimeFigureOut">
               <a:rPr lang="ko-KR" altLang="en-US" smtClean="0"/>
-              <a:t>2020-12-05</a:t>
+              <a:t>2020-12-06</a:t>
             </a:fld>
             <a:endParaRPr lang="ko-KR" altLang="en-US"/>
           </a:p>
@@ -2668,7 +2668,7 @@
           <a:p>
             <a:fld id="{A591DDAC-4A5E-4063-A4EC-ECA2DA426431}" type="datetimeFigureOut">
               <a:rPr lang="ko-KR" altLang="en-US" smtClean="0"/>
-              <a:t>2020-12-05</a:t>
+              <a:t>2020-12-06</a:t>
             </a:fld>
             <a:endParaRPr lang="ko-KR" altLang="en-US"/>
           </a:p>
@@ -2909,7 +2909,7 @@
           <a:p>
             <a:fld id="{A591DDAC-4A5E-4063-A4EC-ECA2DA426431}" type="datetimeFigureOut">
               <a:rPr lang="ko-KR" altLang="en-US" smtClean="0"/>
-              <a:t>2020-12-05</a:t>
+              <a:t>2020-12-06</a:t>
             </a:fld>
             <a:endParaRPr lang="ko-KR" altLang="en-US"/>
           </a:p>
@@ -3435,6 +3435,2620 @@
           </a:p>
         </p:txBody>
       </p:sp>
+      <p:sp>
+        <p:nvSpPr>
+          <p:cNvPr id="4" name="사각형: 둥근 모서리 3">
+            <a:extLst>
+              <a:ext uri="{FF2B5EF4-FFF2-40B4-BE49-F238E27FC236}">
+                <a16:creationId xmlns:a16="http://schemas.microsoft.com/office/drawing/2014/main" id="{0A074612-57D6-49D3-9161-F54479332412}"/>
+              </a:ext>
+            </a:extLst>
+          </p:cNvPr>
+          <p:cNvSpPr/>
+          <p:nvPr/>
+        </p:nvSpPr>
+        <p:spPr>
+          <a:xfrm>
+            <a:off x="0" y="-70284"/>
+            <a:ext cx="10800000" cy="1440000"/>
+          </a:xfrm>
+          <a:custGeom>
+            <a:avLst/>
+            <a:gdLst>
+              <a:gd name="connsiteX0" fmla="*/ 0 w 10800000"/>
+              <a:gd name="connsiteY0" fmla="*/ 720000 h 1440000"/>
+              <a:gd name="connsiteX1" fmla="*/ 720000 w 10800000"/>
+              <a:gd name="connsiteY1" fmla="*/ 0 h 1440000"/>
+              <a:gd name="connsiteX2" fmla="*/ 1201371 w 10800000"/>
+              <a:gd name="connsiteY2" fmla="*/ 0 h 1440000"/>
+              <a:gd name="connsiteX3" fmla="*/ 1682743 w 10800000"/>
+              <a:gd name="connsiteY3" fmla="*/ 0 h 1440000"/>
+              <a:gd name="connsiteX4" fmla="*/ 2538514 w 10800000"/>
+              <a:gd name="connsiteY4" fmla="*/ 0 h 1440000"/>
+              <a:gd name="connsiteX5" fmla="*/ 3207086 w 10800000"/>
+              <a:gd name="connsiteY5" fmla="*/ 0 h 1440000"/>
+              <a:gd name="connsiteX6" fmla="*/ 4062857 w 10800000"/>
+              <a:gd name="connsiteY6" fmla="*/ 0 h 1440000"/>
+              <a:gd name="connsiteX7" fmla="*/ 4637829 w 10800000"/>
+              <a:gd name="connsiteY7" fmla="*/ 0 h 1440000"/>
+              <a:gd name="connsiteX8" fmla="*/ 5212800 w 10800000"/>
+              <a:gd name="connsiteY8" fmla="*/ 0 h 1440000"/>
+              <a:gd name="connsiteX9" fmla="*/ 5694171 w 10800000"/>
+              <a:gd name="connsiteY9" fmla="*/ 0 h 1440000"/>
+              <a:gd name="connsiteX10" fmla="*/ 6549943 w 10800000"/>
+              <a:gd name="connsiteY10" fmla="*/ 0 h 1440000"/>
+              <a:gd name="connsiteX11" fmla="*/ 7405714 w 10800000"/>
+              <a:gd name="connsiteY11" fmla="*/ 0 h 1440000"/>
+              <a:gd name="connsiteX12" fmla="*/ 7887086 w 10800000"/>
+              <a:gd name="connsiteY12" fmla="*/ 0 h 1440000"/>
+              <a:gd name="connsiteX13" fmla="*/ 8462057 w 10800000"/>
+              <a:gd name="connsiteY13" fmla="*/ 0 h 1440000"/>
+              <a:gd name="connsiteX14" fmla="*/ 9037029 w 10800000"/>
+              <a:gd name="connsiteY14" fmla="*/ 0 h 1440000"/>
+              <a:gd name="connsiteX15" fmla="*/ 10080000 w 10800000"/>
+              <a:gd name="connsiteY15" fmla="*/ 0 h 1440000"/>
+              <a:gd name="connsiteX16" fmla="*/ 10800000 w 10800000"/>
+              <a:gd name="connsiteY16" fmla="*/ 720000 h 1440000"/>
+              <a:gd name="connsiteX17" fmla="*/ 10800000 w 10800000"/>
+              <a:gd name="connsiteY17" fmla="*/ 720000 h 1440000"/>
+              <a:gd name="connsiteX18" fmla="*/ 10080000 w 10800000"/>
+              <a:gd name="connsiteY18" fmla="*/ 1440000 h 1440000"/>
+              <a:gd name="connsiteX19" fmla="*/ 9598629 w 10800000"/>
+              <a:gd name="connsiteY19" fmla="*/ 1440000 h 1440000"/>
+              <a:gd name="connsiteX20" fmla="*/ 9210857 w 10800000"/>
+              <a:gd name="connsiteY20" fmla="*/ 1440000 h 1440000"/>
+              <a:gd name="connsiteX21" fmla="*/ 8542286 w 10800000"/>
+              <a:gd name="connsiteY21" fmla="*/ 1440000 h 1440000"/>
+              <a:gd name="connsiteX22" fmla="*/ 8154514 w 10800000"/>
+              <a:gd name="connsiteY22" fmla="*/ 1440000 h 1440000"/>
+              <a:gd name="connsiteX23" fmla="*/ 7579543 w 10800000"/>
+              <a:gd name="connsiteY23" fmla="*/ 1440000 h 1440000"/>
+              <a:gd name="connsiteX24" fmla="*/ 6910971 w 10800000"/>
+              <a:gd name="connsiteY24" fmla="*/ 1440000 h 1440000"/>
+              <a:gd name="connsiteX25" fmla="*/ 6242400 w 10800000"/>
+              <a:gd name="connsiteY25" fmla="*/ 1440000 h 1440000"/>
+              <a:gd name="connsiteX26" fmla="*/ 5854629 w 10800000"/>
+              <a:gd name="connsiteY26" fmla="*/ 1440000 h 1440000"/>
+              <a:gd name="connsiteX27" fmla="*/ 5279657 w 10800000"/>
+              <a:gd name="connsiteY27" fmla="*/ 1440000 h 1440000"/>
+              <a:gd name="connsiteX28" fmla="*/ 4798286 w 10800000"/>
+              <a:gd name="connsiteY28" fmla="*/ 1440000 h 1440000"/>
+              <a:gd name="connsiteX29" fmla="*/ 4036114 w 10800000"/>
+              <a:gd name="connsiteY29" fmla="*/ 1440000 h 1440000"/>
+              <a:gd name="connsiteX30" fmla="*/ 3648343 w 10800000"/>
+              <a:gd name="connsiteY30" fmla="*/ 1440000 h 1440000"/>
+              <a:gd name="connsiteX31" fmla="*/ 3260571 w 10800000"/>
+              <a:gd name="connsiteY31" fmla="*/ 1440000 h 1440000"/>
+              <a:gd name="connsiteX32" fmla="*/ 2779200 w 10800000"/>
+              <a:gd name="connsiteY32" fmla="*/ 1440000 h 1440000"/>
+              <a:gd name="connsiteX33" fmla="*/ 2204229 w 10800000"/>
+              <a:gd name="connsiteY33" fmla="*/ 1440000 h 1440000"/>
+              <a:gd name="connsiteX34" fmla="*/ 1535657 w 10800000"/>
+              <a:gd name="connsiteY34" fmla="*/ 1440000 h 1440000"/>
+              <a:gd name="connsiteX35" fmla="*/ 720000 w 10800000"/>
+              <a:gd name="connsiteY35" fmla="*/ 1440000 h 1440000"/>
+              <a:gd name="connsiteX36" fmla="*/ 0 w 10800000"/>
+              <a:gd name="connsiteY36" fmla="*/ 720000 h 1440000"/>
+            </a:gdLst>
+            <a:ahLst/>
+            <a:cxnLst>
+              <a:cxn ang="0">
+                <a:pos x="connsiteX0" y="connsiteY0"/>
+              </a:cxn>
+              <a:cxn ang="0">
+                <a:pos x="connsiteX1" y="connsiteY1"/>
+              </a:cxn>
+              <a:cxn ang="0">
+                <a:pos x="connsiteX2" y="connsiteY2"/>
+              </a:cxn>
+              <a:cxn ang="0">
+                <a:pos x="connsiteX3" y="connsiteY3"/>
+              </a:cxn>
+              <a:cxn ang="0">
+                <a:pos x="connsiteX4" y="connsiteY4"/>
+              </a:cxn>
+              <a:cxn ang="0">
+                <a:pos x="connsiteX5" y="connsiteY5"/>
+              </a:cxn>
+              <a:cxn ang="0">
+                <a:pos x="connsiteX6" y="connsiteY6"/>
+              </a:cxn>
+              <a:cxn ang="0">
+                <a:pos x="connsiteX7" y="connsiteY7"/>
+              </a:cxn>
+              <a:cxn ang="0">
+                <a:pos x="connsiteX8" y="connsiteY8"/>
+              </a:cxn>
+              <a:cxn ang="0">
+                <a:pos x="connsiteX9" y="connsiteY9"/>
+              </a:cxn>
+              <a:cxn ang="0">
+                <a:pos x="connsiteX10" y="connsiteY10"/>
+              </a:cxn>
+              <a:cxn ang="0">
+                <a:pos x="connsiteX11" y="connsiteY11"/>
+              </a:cxn>
+              <a:cxn ang="0">
+                <a:pos x="connsiteX12" y="connsiteY12"/>
+              </a:cxn>
+              <a:cxn ang="0">
+                <a:pos x="connsiteX13" y="connsiteY13"/>
+              </a:cxn>
+              <a:cxn ang="0">
+                <a:pos x="connsiteX14" y="connsiteY14"/>
+              </a:cxn>
+              <a:cxn ang="0">
+                <a:pos x="connsiteX15" y="connsiteY15"/>
+              </a:cxn>
+              <a:cxn ang="0">
+                <a:pos x="connsiteX16" y="connsiteY16"/>
+              </a:cxn>
+              <a:cxn ang="0">
+                <a:pos x="connsiteX17" y="connsiteY17"/>
+              </a:cxn>
+              <a:cxn ang="0">
+                <a:pos x="connsiteX18" y="connsiteY18"/>
+              </a:cxn>
+              <a:cxn ang="0">
+                <a:pos x="connsiteX19" y="connsiteY19"/>
+              </a:cxn>
+              <a:cxn ang="0">
+                <a:pos x="connsiteX20" y="connsiteY20"/>
+              </a:cxn>
+              <a:cxn ang="0">
+                <a:pos x="connsiteX21" y="connsiteY21"/>
+              </a:cxn>
+              <a:cxn ang="0">
+                <a:pos x="connsiteX22" y="connsiteY22"/>
+              </a:cxn>
+              <a:cxn ang="0">
+                <a:pos x="connsiteX23" y="connsiteY23"/>
+              </a:cxn>
+              <a:cxn ang="0">
+                <a:pos x="connsiteX24" y="connsiteY24"/>
+              </a:cxn>
+              <a:cxn ang="0">
+                <a:pos x="connsiteX25" y="connsiteY25"/>
+              </a:cxn>
+              <a:cxn ang="0">
+                <a:pos x="connsiteX26" y="connsiteY26"/>
+              </a:cxn>
+              <a:cxn ang="0">
+                <a:pos x="connsiteX27" y="connsiteY27"/>
+              </a:cxn>
+              <a:cxn ang="0">
+                <a:pos x="connsiteX28" y="connsiteY28"/>
+              </a:cxn>
+              <a:cxn ang="0">
+                <a:pos x="connsiteX29" y="connsiteY29"/>
+              </a:cxn>
+              <a:cxn ang="0">
+                <a:pos x="connsiteX30" y="connsiteY30"/>
+              </a:cxn>
+              <a:cxn ang="0">
+                <a:pos x="connsiteX31" y="connsiteY31"/>
+              </a:cxn>
+              <a:cxn ang="0">
+                <a:pos x="connsiteX32" y="connsiteY32"/>
+              </a:cxn>
+              <a:cxn ang="0">
+                <a:pos x="connsiteX33" y="connsiteY33"/>
+              </a:cxn>
+              <a:cxn ang="0">
+                <a:pos x="connsiteX34" y="connsiteY34"/>
+              </a:cxn>
+              <a:cxn ang="0">
+                <a:pos x="connsiteX35" y="connsiteY35"/>
+              </a:cxn>
+              <a:cxn ang="0">
+                <a:pos x="connsiteX36" y="connsiteY36"/>
+              </a:cxn>
+            </a:cxnLst>
+            <a:rect l="l" t="t" r="r" b="b"/>
+            <a:pathLst>
+              <a:path w="10800000" h="1440000" fill="none" extrusionOk="0">
+                <a:moveTo>
+                  <a:pt x="0" y="720000"/>
+                </a:moveTo>
+                <a:cubicBezTo>
+                  <a:pt x="-4399" y="333055"/>
+                  <a:pt x="399573" y="25526"/>
+                  <a:pt x="720000" y="0"/>
+                </a:cubicBezTo>
+                <a:cubicBezTo>
+                  <a:pt x="826221" y="3843"/>
+                  <a:pt x="1066523" y="-21708"/>
+                  <a:pt x="1201371" y="0"/>
+                </a:cubicBezTo>
+                <a:cubicBezTo>
+                  <a:pt x="1336219" y="21708"/>
+                  <a:pt x="1478614" y="-4942"/>
+                  <a:pt x="1682743" y="0"/>
+                </a:cubicBezTo>
+                <a:cubicBezTo>
+                  <a:pt x="1886872" y="4942"/>
+                  <a:pt x="2249820" y="-36491"/>
+                  <a:pt x="2538514" y="0"/>
+                </a:cubicBezTo>
+                <a:cubicBezTo>
+                  <a:pt x="2827208" y="36491"/>
+                  <a:pt x="2945133" y="10037"/>
+                  <a:pt x="3207086" y="0"/>
+                </a:cubicBezTo>
+                <a:cubicBezTo>
+                  <a:pt x="3469039" y="-10037"/>
+                  <a:pt x="3765655" y="-10855"/>
+                  <a:pt x="4062857" y="0"/>
+                </a:cubicBezTo>
+                <a:cubicBezTo>
+                  <a:pt x="4360059" y="10855"/>
+                  <a:pt x="4380479" y="23099"/>
+                  <a:pt x="4637829" y="0"/>
+                </a:cubicBezTo>
+                <a:cubicBezTo>
+                  <a:pt x="4895179" y="-23099"/>
+                  <a:pt x="5079459" y="27565"/>
+                  <a:pt x="5212800" y="0"/>
+                </a:cubicBezTo>
+                <a:cubicBezTo>
+                  <a:pt x="5346141" y="-27565"/>
+                  <a:pt x="5472120" y="6627"/>
+                  <a:pt x="5694171" y="0"/>
+                </a:cubicBezTo>
+                <a:cubicBezTo>
+                  <a:pt x="5916222" y="-6627"/>
+                  <a:pt x="6332973" y="-16973"/>
+                  <a:pt x="6549943" y="0"/>
+                </a:cubicBezTo>
+                <a:cubicBezTo>
+                  <a:pt x="6766913" y="16973"/>
+                  <a:pt x="7092599" y="19879"/>
+                  <a:pt x="7405714" y="0"/>
+                </a:cubicBezTo>
+                <a:cubicBezTo>
+                  <a:pt x="7718829" y="-19879"/>
+                  <a:pt x="7646823" y="10356"/>
+                  <a:pt x="7887086" y="0"/>
+                </a:cubicBezTo>
+                <a:cubicBezTo>
+                  <a:pt x="8127349" y="-10356"/>
+                  <a:pt x="8288687" y="-17010"/>
+                  <a:pt x="8462057" y="0"/>
+                </a:cubicBezTo>
+                <a:cubicBezTo>
+                  <a:pt x="8635427" y="17010"/>
+                  <a:pt x="8832007" y="11296"/>
+                  <a:pt x="9037029" y="0"/>
+                </a:cubicBezTo>
+                <a:cubicBezTo>
+                  <a:pt x="9242051" y="-11296"/>
+                  <a:pt x="9587642" y="6709"/>
+                  <a:pt x="10080000" y="0"/>
+                </a:cubicBezTo>
+                <a:cubicBezTo>
+                  <a:pt x="10430675" y="21986"/>
+                  <a:pt x="10855184" y="289379"/>
+                  <a:pt x="10800000" y="720000"/>
+                </a:cubicBezTo>
+                <a:lnTo>
+                  <a:pt x="10800000" y="720000"/>
+                </a:lnTo>
+                <a:cubicBezTo>
+                  <a:pt x="10856362" y="1161812"/>
+                  <a:pt x="10464439" y="1343619"/>
+                  <a:pt x="10080000" y="1440000"/>
+                </a:cubicBezTo>
+                <a:cubicBezTo>
+                  <a:pt x="9914689" y="1463489"/>
+                  <a:pt x="9742417" y="1442720"/>
+                  <a:pt x="9598629" y="1440000"/>
+                </a:cubicBezTo>
+                <a:cubicBezTo>
+                  <a:pt x="9454841" y="1437280"/>
+                  <a:pt x="9308953" y="1442604"/>
+                  <a:pt x="9210857" y="1440000"/>
+                </a:cubicBezTo>
+                <a:cubicBezTo>
+                  <a:pt x="9112761" y="1437396"/>
+                  <a:pt x="8861346" y="1435711"/>
+                  <a:pt x="8542286" y="1440000"/>
+                </a:cubicBezTo>
+                <a:cubicBezTo>
+                  <a:pt x="8223226" y="1444289"/>
+                  <a:pt x="8286981" y="1445058"/>
+                  <a:pt x="8154514" y="1440000"/>
+                </a:cubicBezTo>
+                <a:cubicBezTo>
+                  <a:pt x="8022047" y="1434942"/>
+                  <a:pt x="7703874" y="1454515"/>
+                  <a:pt x="7579543" y="1440000"/>
+                </a:cubicBezTo>
+                <a:cubicBezTo>
+                  <a:pt x="7455212" y="1425485"/>
+                  <a:pt x="7121471" y="1421219"/>
+                  <a:pt x="6910971" y="1440000"/>
+                </a:cubicBezTo>
+                <a:cubicBezTo>
+                  <a:pt x="6700471" y="1458781"/>
+                  <a:pt x="6418592" y="1449328"/>
+                  <a:pt x="6242400" y="1440000"/>
+                </a:cubicBezTo>
+                <a:cubicBezTo>
+                  <a:pt x="6066208" y="1430672"/>
+                  <a:pt x="6046488" y="1434293"/>
+                  <a:pt x="5854629" y="1440000"/>
+                </a:cubicBezTo>
+                <a:cubicBezTo>
+                  <a:pt x="5662770" y="1445707"/>
+                  <a:pt x="5432680" y="1433426"/>
+                  <a:pt x="5279657" y="1440000"/>
+                </a:cubicBezTo>
+                <a:cubicBezTo>
+                  <a:pt x="5126634" y="1446574"/>
+                  <a:pt x="4929278" y="1429143"/>
+                  <a:pt x="4798286" y="1440000"/>
+                </a:cubicBezTo>
+                <a:cubicBezTo>
+                  <a:pt x="4667294" y="1450857"/>
+                  <a:pt x="4244409" y="1442209"/>
+                  <a:pt x="4036114" y="1440000"/>
+                </a:cubicBezTo>
+                <a:cubicBezTo>
+                  <a:pt x="3827819" y="1437791"/>
+                  <a:pt x="3755778" y="1445498"/>
+                  <a:pt x="3648343" y="1440000"/>
+                </a:cubicBezTo>
+                <a:cubicBezTo>
+                  <a:pt x="3540908" y="1434502"/>
+                  <a:pt x="3369318" y="1459241"/>
+                  <a:pt x="3260571" y="1440000"/>
+                </a:cubicBezTo>
+                <a:cubicBezTo>
+                  <a:pt x="3151824" y="1420759"/>
+                  <a:pt x="3014754" y="1434670"/>
+                  <a:pt x="2779200" y="1440000"/>
+                </a:cubicBezTo>
+                <a:cubicBezTo>
+                  <a:pt x="2543646" y="1445330"/>
+                  <a:pt x="2393512" y="1460828"/>
+                  <a:pt x="2204229" y="1440000"/>
+                </a:cubicBezTo>
+                <a:cubicBezTo>
+                  <a:pt x="2014946" y="1419172"/>
+                  <a:pt x="1696083" y="1437055"/>
+                  <a:pt x="1535657" y="1440000"/>
+                </a:cubicBezTo>
+                <a:cubicBezTo>
+                  <a:pt x="1375231" y="1442945"/>
+                  <a:pt x="955397" y="1443112"/>
+                  <a:pt x="720000" y="1440000"/>
+                </a:cubicBezTo>
+                <a:cubicBezTo>
+                  <a:pt x="322315" y="1518414"/>
+                  <a:pt x="88483" y="1118515"/>
+                  <a:pt x="0" y="720000"/>
+                </a:cubicBezTo>
+                <a:close/>
+              </a:path>
+              <a:path w="10800000" h="1440000" stroke="0" extrusionOk="0">
+                <a:moveTo>
+                  <a:pt x="0" y="720000"/>
+                </a:moveTo>
+                <a:cubicBezTo>
+                  <a:pt x="56061" y="330305"/>
+                  <a:pt x="318702" y="9949"/>
+                  <a:pt x="720000" y="0"/>
+                </a:cubicBezTo>
+                <a:cubicBezTo>
+                  <a:pt x="864942" y="-16728"/>
+                  <a:pt x="1100415" y="13359"/>
+                  <a:pt x="1201371" y="0"/>
+                </a:cubicBezTo>
+                <a:cubicBezTo>
+                  <a:pt x="1302327" y="-13359"/>
+                  <a:pt x="1652482" y="18316"/>
+                  <a:pt x="1869943" y="0"/>
+                </a:cubicBezTo>
+                <a:cubicBezTo>
+                  <a:pt x="2087404" y="-18316"/>
+                  <a:pt x="2454547" y="-11682"/>
+                  <a:pt x="2725714" y="0"/>
+                </a:cubicBezTo>
+                <a:cubicBezTo>
+                  <a:pt x="2996881" y="11682"/>
+                  <a:pt x="3157398" y="-26894"/>
+                  <a:pt x="3394286" y="0"/>
+                </a:cubicBezTo>
+                <a:cubicBezTo>
+                  <a:pt x="3631174" y="26894"/>
+                  <a:pt x="3713190" y="21921"/>
+                  <a:pt x="3969257" y="0"/>
+                </a:cubicBezTo>
+                <a:cubicBezTo>
+                  <a:pt x="4225324" y="-21921"/>
+                  <a:pt x="4365056" y="14841"/>
+                  <a:pt x="4544229" y="0"/>
+                </a:cubicBezTo>
+                <a:cubicBezTo>
+                  <a:pt x="4723402" y="-14841"/>
+                  <a:pt x="4962259" y="-16342"/>
+                  <a:pt x="5212800" y="0"/>
+                </a:cubicBezTo>
+                <a:cubicBezTo>
+                  <a:pt x="5463341" y="16342"/>
+                  <a:pt x="5587088" y="16577"/>
+                  <a:pt x="5694171" y="0"/>
+                </a:cubicBezTo>
+                <a:cubicBezTo>
+                  <a:pt x="5801254" y="-16577"/>
+                  <a:pt x="6119582" y="10961"/>
+                  <a:pt x="6362743" y="0"/>
+                </a:cubicBezTo>
+                <a:cubicBezTo>
+                  <a:pt x="6605904" y="-10961"/>
+                  <a:pt x="6810996" y="-30306"/>
+                  <a:pt x="7124914" y="0"/>
+                </a:cubicBezTo>
+                <a:cubicBezTo>
+                  <a:pt x="7438832" y="30306"/>
+                  <a:pt x="7601430" y="-20763"/>
+                  <a:pt x="7793486" y="0"/>
+                </a:cubicBezTo>
+                <a:cubicBezTo>
+                  <a:pt x="7985542" y="20763"/>
+                  <a:pt x="8336429" y="30449"/>
+                  <a:pt x="8555657" y="0"/>
+                </a:cubicBezTo>
+                <a:cubicBezTo>
+                  <a:pt x="8774885" y="-30449"/>
+                  <a:pt x="9030218" y="-24908"/>
+                  <a:pt x="9411429" y="0"/>
+                </a:cubicBezTo>
+                <a:cubicBezTo>
+                  <a:pt x="9792640" y="24908"/>
+                  <a:pt x="9879672" y="-16303"/>
+                  <a:pt x="10080000" y="0"/>
+                </a:cubicBezTo>
+                <a:cubicBezTo>
+                  <a:pt x="10517385" y="-43493"/>
+                  <a:pt x="10897255" y="306813"/>
+                  <a:pt x="10800000" y="720000"/>
+                </a:cubicBezTo>
+                <a:lnTo>
+                  <a:pt x="10800000" y="720000"/>
+                </a:lnTo>
+                <a:cubicBezTo>
+                  <a:pt x="10819336" y="1134714"/>
+                  <a:pt x="10467257" y="1436909"/>
+                  <a:pt x="10080000" y="1440000"/>
+                </a:cubicBezTo>
+                <a:cubicBezTo>
+                  <a:pt x="9920247" y="1450310"/>
+                  <a:pt x="9852312" y="1443096"/>
+                  <a:pt x="9692229" y="1440000"/>
+                </a:cubicBezTo>
+                <a:cubicBezTo>
+                  <a:pt x="9532146" y="1436904"/>
+                  <a:pt x="9007914" y="1455737"/>
+                  <a:pt x="8836457" y="1440000"/>
+                </a:cubicBezTo>
+                <a:cubicBezTo>
+                  <a:pt x="8665000" y="1424263"/>
+                  <a:pt x="8467481" y="1414416"/>
+                  <a:pt x="8261486" y="1440000"/>
+                </a:cubicBezTo>
+                <a:cubicBezTo>
+                  <a:pt x="8055491" y="1465584"/>
+                  <a:pt x="7742500" y="1457410"/>
+                  <a:pt x="7592914" y="1440000"/>
+                </a:cubicBezTo>
+                <a:cubicBezTo>
+                  <a:pt x="7443328" y="1422590"/>
+                  <a:pt x="7396904" y="1421660"/>
+                  <a:pt x="7205143" y="1440000"/>
+                </a:cubicBezTo>
+                <a:cubicBezTo>
+                  <a:pt x="7013382" y="1458340"/>
+                  <a:pt x="6946675" y="1463030"/>
+                  <a:pt x="6723771" y="1440000"/>
+                </a:cubicBezTo>
+                <a:cubicBezTo>
+                  <a:pt x="6500867" y="1416970"/>
+                  <a:pt x="6374720" y="1428550"/>
+                  <a:pt x="6148800" y="1440000"/>
+                </a:cubicBezTo>
+                <a:cubicBezTo>
+                  <a:pt x="5922880" y="1451450"/>
+                  <a:pt x="5720385" y="1438779"/>
+                  <a:pt x="5573829" y="1440000"/>
+                </a:cubicBezTo>
+                <a:cubicBezTo>
+                  <a:pt x="5427273" y="1441221"/>
+                  <a:pt x="5022487" y="1438937"/>
+                  <a:pt x="4811657" y="1440000"/>
+                </a:cubicBezTo>
+                <a:cubicBezTo>
+                  <a:pt x="4600827" y="1441063"/>
+                  <a:pt x="4394325" y="1473981"/>
+                  <a:pt x="4049486" y="1440000"/>
+                </a:cubicBezTo>
+                <a:cubicBezTo>
+                  <a:pt x="3704647" y="1406019"/>
+                  <a:pt x="3578905" y="1444746"/>
+                  <a:pt x="3287314" y="1440000"/>
+                </a:cubicBezTo>
+                <a:cubicBezTo>
+                  <a:pt x="2995723" y="1435254"/>
+                  <a:pt x="2900178" y="1416162"/>
+                  <a:pt x="2712343" y="1440000"/>
+                </a:cubicBezTo>
+                <a:cubicBezTo>
+                  <a:pt x="2524508" y="1463838"/>
+                  <a:pt x="2513986" y="1423794"/>
+                  <a:pt x="2324571" y="1440000"/>
+                </a:cubicBezTo>
+                <a:cubicBezTo>
+                  <a:pt x="2135156" y="1456206"/>
+                  <a:pt x="1892733" y="1448089"/>
+                  <a:pt x="1749600" y="1440000"/>
+                </a:cubicBezTo>
+                <a:cubicBezTo>
+                  <a:pt x="1606467" y="1431911"/>
+                  <a:pt x="1213343" y="1437872"/>
+                  <a:pt x="720000" y="1440000"/>
+                </a:cubicBezTo>
+                <a:cubicBezTo>
+                  <a:pt x="267763" y="1477442"/>
+                  <a:pt x="1482" y="1143790"/>
+                  <a:pt x="0" y="720000"/>
+                </a:cubicBezTo>
+                <a:close/>
+              </a:path>
+            </a:pathLst>
+          </a:custGeom>
+          <a:solidFill>
+            <a:schemeClr val="bg1"/>
+          </a:solidFill>
+          <a:ln w="76200">
+            <a:solidFill>
+              <a:schemeClr val="bg1">
+                <a:lumMod val="50000"/>
+              </a:schemeClr>
+            </a:solidFill>
+            <a:extLst>
+              <a:ext uri="{C807C97D-BFC1-408E-A445-0C87EB9F89A2}">
+                <ask:lineSketchStyleProps xmlns:ask="http://schemas.microsoft.com/office/drawing/2018/sketchyshapes" sd="4153261725">
+                  <a:prstGeom prst="roundRect">
+                    <a:avLst>
+                      <a:gd name="adj" fmla="val 50000"/>
+                    </a:avLst>
+                  </a:prstGeom>
+                  <ask:type>
+                    <ask:lineSketchFreehand/>
+                  </ask:type>
+                </ask:lineSketchStyleProps>
+              </a:ext>
+            </a:extLst>
+          </a:ln>
+        </p:spPr>
+        <p:style>
+          <a:lnRef idx="2">
+            <a:schemeClr val="accent6">
+              <a:shade val="50000"/>
+            </a:schemeClr>
+          </a:lnRef>
+          <a:fillRef idx="1">
+            <a:schemeClr val="accent6"/>
+          </a:fillRef>
+          <a:effectRef idx="0">
+            <a:schemeClr val="accent6"/>
+          </a:effectRef>
+          <a:fontRef idx="minor">
+            <a:schemeClr val="lt1"/>
+          </a:fontRef>
+        </p:style>
+        <p:txBody>
+          <a:bodyPr rtlCol="0" anchor="ctr"/>
+          <a:lstStyle/>
+          <a:p>
+            <a:pPr algn="ctr"/>
+            <a:endParaRPr lang="ko-KR" altLang="en-US" dirty="0"/>
+          </a:p>
+        </p:txBody>
+      </p:sp>
+      <p:sp>
+        <p:nvSpPr>
+          <p:cNvPr id="5" name="TextBox 4">
+            <a:extLst>
+              <a:ext uri="{FF2B5EF4-FFF2-40B4-BE49-F238E27FC236}">
+                <a16:creationId xmlns:a16="http://schemas.microsoft.com/office/drawing/2014/main" id="{1A0677A2-C44D-4D79-B43A-5F2ACBCD266F}"/>
+              </a:ext>
+            </a:extLst>
+          </p:cNvPr>
+          <p:cNvSpPr txBox="1"/>
+          <p:nvPr/>
+        </p:nvSpPr>
+        <p:spPr>
+          <a:xfrm>
+            <a:off x="359015" y="295773"/>
+            <a:ext cx="3103275" cy="707886"/>
+          </a:xfrm>
+          <a:prstGeom prst="rect">
+            <a:avLst/>
+          </a:prstGeom>
+          <a:noFill/>
+        </p:spPr>
+        <p:txBody>
+          <a:bodyPr wrap="square" rtlCol="0">
+            <a:spAutoFit/>
+          </a:bodyPr>
+          <a:lstStyle/>
+          <a:p>
+            <a:r>
+              <a:rPr lang="en-US" altLang="ko-KR" sz="4000" dirty="0">
+                <a:latin typeface="Arial Rounded MT Bold" panose="020F0704030504030204" pitchFamily="34" charset="0"/>
+              </a:rPr>
+              <a:t>IP</a:t>
+            </a:r>
+            <a:r>
+              <a:rPr lang="ko-KR" altLang="en-US" sz="4000" dirty="0">
+                <a:latin typeface="Arial Rounded MT Bold" panose="020F0704030504030204" pitchFamily="34" charset="0"/>
+              </a:rPr>
+              <a:t> </a:t>
+            </a:r>
+            <a:r>
+              <a:rPr lang="en-US" altLang="ko-KR" sz="4000" dirty="0">
+                <a:latin typeface="Arial Rounded MT Bold" panose="020F0704030504030204" pitchFamily="34" charset="0"/>
+              </a:rPr>
+              <a:t>Address</a:t>
+            </a:r>
+            <a:endParaRPr lang="ko-KR" altLang="en-US" sz="4000" dirty="0">
+              <a:latin typeface="Arial Rounded MT Bold" panose="020F0704030504030204" pitchFamily="34" charset="0"/>
+            </a:endParaRPr>
+          </a:p>
+        </p:txBody>
+      </p:sp>
+      <p:sp>
+        <p:nvSpPr>
+          <p:cNvPr id="7" name="사각형: 둥근 모서리 6">
+            <a:extLst>
+              <a:ext uri="{FF2B5EF4-FFF2-40B4-BE49-F238E27FC236}">
+                <a16:creationId xmlns:a16="http://schemas.microsoft.com/office/drawing/2014/main" id="{331AD1CB-75B2-4DDB-805D-58E881BD57E2}"/>
+              </a:ext>
+            </a:extLst>
+          </p:cNvPr>
+          <p:cNvSpPr/>
+          <p:nvPr/>
+        </p:nvSpPr>
+        <p:spPr>
+          <a:xfrm>
+            <a:off x="0" y="1802953"/>
+            <a:ext cx="10800000" cy="1440000"/>
+          </a:xfrm>
+          <a:custGeom>
+            <a:avLst/>
+            <a:gdLst>
+              <a:gd name="connsiteX0" fmla="*/ 0 w 10800000"/>
+              <a:gd name="connsiteY0" fmla="*/ 720000 h 1440000"/>
+              <a:gd name="connsiteX1" fmla="*/ 720000 w 10800000"/>
+              <a:gd name="connsiteY1" fmla="*/ 0 h 1440000"/>
+              <a:gd name="connsiteX2" fmla="*/ 1388571 w 10800000"/>
+              <a:gd name="connsiteY2" fmla="*/ 0 h 1440000"/>
+              <a:gd name="connsiteX3" fmla="*/ 1963543 w 10800000"/>
+              <a:gd name="connsiteY3" fmla="*/ 0 h 1440000"/>
+              <a:gd name="connsiteX4" fmla="*/ 2819314 w 10800000"/>
+              <a:gd name="connsiteY4" fmla="*/ 0 h 1440000"/>
+              <a:gd name="connsiteX5" fmla="*/ 3581486 w 10800000"/>
+              <a:gd name="connsiteY5" fmla="*/ 0 h 1440000"/>
+              <a:gd name="connsiteX6" fmla="*/ 4062857 w 10800000"/>
+              <a:gd name="connsiteY6" fmla="*/ 0 h 1440000"/>
+              <a:gd name="connsiteX7" fmla="*/ 4544229 w 10800000"/>
+              <a:gd name="connsiteY7" fmla="*/ 0 h 1440000"/>
+              <a:gd name="connsiteX8" fmla="*/ 5306400 w 10800000"/>
+              <a:gd name="connsiteY8" fmla="*/ 0 h 1440000"/>
+              <a:gd name="connsiteX9" fmla="*/ 5787771 w 10800000"/>
+              <a:gd name="connsiteY9" fmla="*/ 0 h 1440000"/>
+              <a:gd name="connsiteX10" fmla="*/ 6549943 w 10800000"/>
+              <a:gd name="connsiteY10" fmla="*/ 0 h 1440000"/>
+              <a:gd name="connsiteX11" fmla="*/ 7124914 w 10800000"/>
+              <a:gd name="connsiteY11" fmla="*/ 0 h 1440000"/>
+              <a:gd name="connsiteX12" fmla="*/ 7606286 w 10800000"/>
+              <a:gd name="connsiteY12" fmla="*/ 0 h 1440000"/>
+              <a:gd name="connsiteX13" fmla="*/ 8462057 w 10800000"/>
+              <a:gd name="connsiteY13" fmla="*/ 0 h 1440000"/>
+              <a:gd name="connsiteX14" fmla="*/ 9037029 w 10800000"/>
+              <a:gd name="connsiteY14" fmla="*/ 0 h 1440000"/>
+              <a:gd name="connsiteX15" fmla="*/ 10080000 w 10800000"/>
+              <a:gd name="connsiteY15" fmla="*/ 0 h 1440000"/>
+              <a:gd name="connsiteX16" fmla="*/ 10800000 w 10800000"/>
+              <a:gd name="connsiteY16" fmla="*/ 720000 h 1440000"/>
+              <a:gd name="connsiteX17" fmla="*/ 10800000 w 10800000"/>
+              <a:gd name="connsiteY17" fmla="*/ 720000 h 1440000"/>
+              <a:gd name="connsiteX18" fmla="*/ 10080000 w 10800000"/>
+              <a:gd name="connsiteY18" fmla="*/ 1440000 h 1440000"/>
+              <a:gd name="connsiteX19" fmla="*/ 9598629 w 10800000"/>
+              <a:gd name="connsiteY19" fmla="*/ 1440000 h 1440000"/>
+              <a:gd name="connsiteX20" fmla="*/ 8742857 w 10800000"/>
+              <a:gd name="connsiteY20" fmla="*/ 1440000 h 1440000"/>
+              <a:gd name="connsiteX21" fmla="*/ 8261486 w 10800000"/>
+              <a:gd name="connsiteY21" fmla="*/ 1440000 h 1440000"/>
+              <a:gd name="connsiteX22" fmla="*/ 7873714 w 10800000"/>
+              <a:gd name="connsiteY22" fmla="*/ 1440000 h 1440000"/>
+              <a:gd name="connsiteX23" fmla="*/ 7392343 w 10800000"/>
+              <a:gd name="connsiteY23" fmla="*/ 1440000 h 1440000"/>
+              <a:gd name="connsiteX24" fmla="*/ 6817371 w 10800000"/>
+              <a:gd name="connsiteY24" fmla="*/ 1440000 h 1440000"/>
+              <a:gd name="connsiteX25" fmla="*/ 6242400 w 10800000"/>
+              <a:gd name="connsiteY25" fmla="*/ 1440000 h 1440000"/>
+              <a:gd name="connsiteX26" fmla="*/ 5573829 w 10800000"/>
+              <a:gd name="connsiteY26" fmla="*/ 1440000 h 1440000"/>
+              <a:gd name="connsiteX27" fmla="*/ 4905257 w 10800000"/>
+              <a:gd name="connsiteY27" fmla="*/ 1440000 h 1440000"/>
+              <a:gd name="connsiteX28" fmla="*/ 4049486 w 10800000"/>
+              <a:gd name="connsiteY28" fmla="*/ 1440000 h 1440000"/>
+              <a:gd name="connsiteX29" fmla="*/ 3661714 w 10800000"/>
+              <a:gd name="connsiteY29" fmla="*/ 1440000 h 1440000"/>
+              <a:gd name="connsiteX30" fmla="*/ 2993143 w 10800000"/>
+              <a:gd name="connsiteY30" fmla="*/ 1440000 h 1440000"/>
+              <a:gd name="connsiteX31" fmla="*/ 2230971 w 10800000"/>
+              <a:gd name="connsiteY31" fmla="*/ 1440000 h 1440000"/>
+              <a:gd name="connsiteX32" fmla="*/ 1656000 w 10800000"/>
+              <a:gd name="connsiteY32" fmla="*/ 1440000 h 1440000"/>
+              <a:gd name="connsiteX33" fmla="*/ 720000 w 10800000"/>
+              <a:gd name="connsiteY33" fmla="*/ 1440000 h 1440000"/>
+              <a:gd name="connsiteX34" fmla="*/ 0 w 10800000"/>
+              <a:gd name="connsiteY34" fmla="*/ 720000 h 1440000"/>
+            </a:gdLst>
+            <a:ahLst/>
+            <a:cxnLst>
+              <a:cxn ang="0">
+                <a:pos x="connsiteX0" y="connsiteY0"/>
+              </a:cxn>
+              <a:cxn ang="0">
+                <a:pos x="connsiteX1" y="connsiteY1"/>
+              </a:cxn>
+              <a:cxn ang="0">
+                <a:pos x="connsiteX2" y="connsiteY2"/>
+              </a:cxn>
+              <a:cxn ang="0">
+                <a:pos x="connsiteX3" y="connsiteY3"/>
+              </a:cxn>
+              <a:cxn ang="0">
+                <a:pos x="connsiteX4" y="connsiteY4"/>
+              </a:cxn>
+              <a:cxn ang="0">
+                <a:pos x="connsiteX5" y="connsiteY5"/>
+              </a:cxn>
+              <a:cxn ang="0">
+                <a:pos x="connsiteX6" y="connsiteY6"/>
+              </a:cxn>
+              <a:cxn ang="0">
+                <a:pos x="connsiteX7" y="connsiteY7"/>
+              </a:cxn>
+              <a:cxn ang="0">
+                <a:pos x="connsiteX8" y="connsiteY8"/>
+              </a:cxn>
+              <a:cxn ang="0">
+                <a:pos x="connsiteX9" y="connsiteY9"/>
+              </a:cxn>
+              <a:cxn ang="0">
+                <a:pos x="connsiteX10" y="connsiteY10"/>
+              </a:cxn>
+              <a:cxn ang="0">
+                <a:pos x="connsiteX11" y="connsiteY11"/>
+              </a:cxn>
+              <a:cxn ang="0">
+                <a:pos x="connsiteX12" y="connsiteY12"/>
+              </a:cxn>
+              <a:cxn ang="0">
+                <a:pos x="connsiteX13" y="connsiteY13"/>
+              </a:cxn>
+              <a:cxn ang="0">
+                <a:pos x="connsiteX14" y="connsiteY14"/>
+              </a:cxn>
+              <a:cxn ang="0">
+                <a:pos x="connsiteX15" y="connsiteY15"/>
+              </a:cxn>
+              <a:cxn ang="0">
+                <a:pos x="connsiteX16" y="connsiteY16"/>
+              </a:cxn>
+              <a:cxn ang="0">
+                <a:pos x="connsiteX17" y="connsiteY17"/>
+              </a:cxn>
+              <a:cxn ang="0">
+                <a:pos x="connsiteX18" y="connsiteY18"/>
+              </a:cxn>
+              <a:cxn ang="0">
+                <a:pos x="connsiteX19" y="connsiteY19"/>
+              </a:cxn>
+              <a:cxn ang="0">
+                <a:pos x="connsiteX20" y="connsiteY20"/>
+              </a:cxn>
+              <a:cxn ang="0">
+                <a:pos x="connsiteX21" y="connsiteY21"/>
+              </a:cxn>
+              <a:cxn ang="0">
+                <a:pos x="connsiteX22" y="connsiteY22"/>
+              </a:cxn>
+              <a:cxn ang="0">
+                <a:pos x="connsiteX23" y="connsiteY23"/>
+              </a:cxn>
+              <a:cxn ang="0">
+                <a:pos x="connsiteX24" y="connsiteY24"/>
+              </a:cxn>
+              <a:cxn ang="0">
+                <a:pos x="connsiteX25" y="connsiteY25"/>
+              </a:cxn>
+              <a:cxn ang="0">
+                <a:pos x="connsiteX26" y="connsiteY26"/>
+              </a:cxn>
+              <a:cxn ang="0">
+                <a:pos x="connsiteX27" y="connsiteY27"/>
+              </a:cxn>
+              <a:cxn ang="0">
+                <a:pos x="connsiteX28" y="connsiteY28"/>
+              </a:cxn>
+              <a:cxn ang="0">
+                <a:pos x="connsiteX29" y="connsiteY29"/>
+              </a:cxn>
+              <a:cxn ang="0">
+                <a:pos x="connsiteX30" y="connsiteY30"/>
+              </a:cxn>
+              <a:cxn ang="0">
+                <a:pos x="connsiteX31" y="connsiteY31"/>
+              </a:cxn>
+              <a:cxn ang="0">
+                <a:pos x="connsiteX32" y="connsiteY32"/>
+              </a:cxn>
+              <a:cxn ang="0">
+                <a:pos x="connsiteX33" y="connsiteY33"/>
+              </a:cxn>
+              <a:cxn ang="0">
+                <a:pos x="connsiteX34" y="connsiteY34"/>
+              </a:cxn>
+            </a:cxnLst>
+            <a:rect l="l" t="t" r="r" b="b"/>
+            <a:pathLst>
+              <a:path w="10800000" h="1440000" fill="none" extrusionOk="0">
+                <a:moveTo>
+                  <a:pt x="0" y="720000"/>
+                </a:moveTo>
+                <a:cubicBezTo>
+                  <a:pt x="-14719" y="245537"/>
+                  <a:pt x="371962" y="26138"/>
+                  <a:pt x="720000" y="0"/>
+                </a:cubicBezTo>
+                <a:cubicBezTo>
+                  <a:pt x="881071" y="-25500"/>
+                  <a:pt x="1115977" y="3172"/>
+                  <a:pt x="1388571" y="0"/>
+                </a:cubicBezTo>
+                <a:cubicBezTo>
+                  <a:pt x="1661165" y="-3172"/>
+                  <a:pt x="1755147" y="14349"/>
+                  <a:pt x="1963543" y="0"/>
+                </a:cubicBezTo>
+                <a:cubicBezTo>
+                  <a:pt x="2171939" y="-14349"/>
+                  <a:pt x="2592902" y="2358"/>
+                  <a:pt x="2819314" y="0"/>
+                </a:cubicBezTo>
+                <a:cubicBezTo>
+                  <a:pt x="3045726" y="-2358"/>
+                  <a:pt x="3401307" y="-36401"/>
+                  <a:pt x="3581486" y="0"/>
+                </a:cubicBezTo>
+                <a:cubicBezTo>
+                  <a:pt x="3761665" y="36401"/>
+                  <a:pt x="3944787" y="-12515"/>
+                  <a:pt x="4062857" y="0"/>
+                </a:cubicBezTo>
+                <a:cubicBezTo>
+                  <a:pt x="4180927" y="12515"/>
+                  <a:pt x="4442501" y="3779"/>
+                  <a:pt x="4544229" y="0"/>
+                </a:cubicBezTo>
+                <a:cubicBezTo>
+                  <a:pt x="4645957" y="-3779"/>
+                  <a:pt x="5103595" y="-1263"/>
+                  <a:pt x="5306400" y="0"/>
+                </a:cubicBezTo>
+                <a:cubicBezTo>
+                  <a:pt x="5509205" y="1263"/>
+                  <a:pt x="5569018" y="-23193"/>
+                  <a:pt x="5787771" y="0"/>
+                </a:cubicBezTo>
+                <a:cubicBezTo>
+                  <a:pt x="6006524" y="23193"/>
+                  <a:pt x="6314181" y="-21435"/>
+                  <a:pt x="6549943" y="0"/>
+                </a:cubicBezTo>
+                <a:cubicBezTo>
+                  <a:pt x="6785705" y="21435"/>
+                  <a:pt x="6908475" y="-8768"/>
+                  <a:pt x="7124914" y="0"/>
+                </a:cubicBezTo>
+                <a:cubicBezTo>
+                  <a:pt x="7341353" y="8768"/>
+                  <a:pt x="7507685" y="2568"/>
+                  <a:pt x="7606286" y="0"/>
+                </a:cubicBezTo>
+                <a:cubicBezTo>
+                  <a:pt x="7704887" y="-2568"/>
+                  <a:pt x="8144362" y="22426"/>
+                  <a:pt x="8462057" y="0"/>
+                </a:cubicBezTo>
+                <a:cubicBezTo>
+                  <a:pt x="8779752" y="-22426"/>
+                  <a:pt x="8800010" y="-27953"/>
+                  <a:pt x="9037029" y="0"/>
+                </a:cubicBezTo>
+                <a:cubicBezTo>
+                  <a:pt x="9274048" y="27953"/>
+                  <a:pt x="9661895" y="41402"/>
+                  <a:pt x="10080000" y="0"/>
+                </a:cubicBezTo>
+                <a:cubicBezTo>
+                  <a:pt x="10490074" y="82230"/>
+                  <a:pt x="10765805" y="389389"/>
+                  <a:pt x="10800000" y="720000"/>
+                </a:cubicBezTo>
+                <a:lnTo>
+                  <a:pt x="10800000" y="720000"/>
+                </a:lnTo>
+                <a:cubicBezTo>
+                  <a:pt x="10872547" y="1149211"/>
+                  <a:pt x="10497557" y="1520791"/>
+                  <a:pt x="10080000" y="1440000"/>
+                </a:cubicBezTo>
+                <a:cubicBezTo>
+                  <a:pt x="9888813" y="1462991"/>
+                  <a:pt x="9785269" y="1420885"/>
+                  <a:pt x="9598629" y="1440000"/>
+                </a:cubicBezTo>
+                <a:cubicBezTo>
+                  <a:pt x="9411989" y="1459115"/>
+                  <a:pt x="8970545" y="1446488"/>
+                  <a:pt x="8742857" y="1440000"/>
+                </a:cubicBezTo>
+                <a:cubicBezTo>
+                  <a:pt x="8515169" y="1433512"/>
+                  <a:pt x="8375668" y="1423575"/>
+                  <a:pt x="8261486" y="1440000"/>
+                </a:cubicBezTo>
+                <a:cubicBezTo>
+                  <a:pt x="8147304" y="1456425"/>
+                  <a:pt x="8060176" y="1426188"/>
+                  <a:pt x="7873714" y="1440000"/>
+                </a:cubicBezTo>
+                <a:cubicBezTo>
+                  <a:pt x="7687252" y="1453812"/>
+                  <a:pt x="7542222" y="1433277"/>
+                  <a:pt x="7392343" y="1440000"/>
+                </a:cubicBezTo>
+                <a:cubicBezTo>
+                  <a:pt x="7242464" y="1446723"/>
+                  <a:pt x="6999652" y="1421777"/>
+                  <a:pt x="6817371" y="1440000"/>
+                </a:cubicBezTo>
+                <a:cubicBezTo>
+                  <a:pt x="6635090" y="1458223"/>
+                  <a:pt x="6525627" y="1449989"/>
+                  <a:pt x="6242400" y="1440000"/>
+                </a:cubicBezTo>
+                <a:cubicBezTo>
+                  <a:pt x="5959173" y="1430011"/>
+                  <a:pt x="5713100" y="1464408"/>
+                  <a:pt x="5573829" y="1440000"/>
+                </a:cubicBezTo>
+                <a:cubicBezTo>
+                  <a:pt x="5434558" y="1415592"/>
+                  <a:pt x="5170453" y="1437558"/>
+                  <a:pt x="4905257" y="1440000"/>
+                </a:cubicBezTo>
+                <a:cubicBezTo>
+                  <a:pt x="4640061" y="1442442"/>
+                  <a:pt x="4316143" y="1459751"/>
+                  <a:pt x="4049486" y="1440000"/>
+                </a:cubicBezTo>
+                <a:cubicBezTo>
+                  <a:pt x="3782829" y="1420249"/>
+                  <a:pt x="3757393" y="1438823"/>
+                  <a:pt x="3661714" y="1440000"/>
+                </a:cubicBezTo>
+                <a:cubicBezTo>
+                  <a:pt x="3566035" y="1441177"/>
+                  <a:pt x="3174393" y="1413252"/>
+                  <a:pt x="2993143" y="1440000"/>
+                </a:cubicBezTo>
+                <a:cubicBezTo>
+                  <a:pt x="2811893" y="1466748"/>
+                  <a:pt x="2561564" y="1477282"/>
+                  <a:pt x="2230971" y="1440000"/>
+                </a:cubicBezTo>
+                <a:cubicBezTo>
+                  <a:pt x="1900378" y="1402718"/>
+                  <a:pt x="1892770" y="1460856"/>
+                  <a:pt x="1656000" y="1440000"/>
+                </a:cubicBezTo>
+                <a:cubicBezTo>
+                  <a:pt x="1419230" y="1419144"/>
+                  <a:pt x="1113927" y="1409578"/>
+                  <a:pt x="720000" y="1440000"/>
+                </a:cubicBezTo>
+                <a:cubicBezTo>
+                  <a:pt x="307701" y="1498774"/>
+                  <a:pt x="25476" y="1108615"/>
+                  <a:pt x="0" y="720000"/>
+                </a:cubicBezTo>
+                <a:close/>
+              </a:path>
+              <a:path w="10800000" h="1440000" stroke="0" extrusionOk="0">
+                <a:moveTo>
+                  <a:pt x="0" y="720000"/>
+                </a:moveTo>
+                <a:cubicBezTo>
+                  <a:pt x="46156" y="286455"/>
+                  <a:pt x="330602" y="-55294"/>
+                  <a:pt x="720000" y="0"/>
+                </a:cubicBezTo>
+                <a:cubicBezTo>
+                  <a:pt x="850326" y="-23832"/>
+                  <a:pt x="1084113" y="-10286"/>
+                  <a:pt x="1201371" y="0"/>
+                </a:cubicBezTo>
+                <a:cubicBezTo>
+                  <a:pt x="1318629" y="10286"/>
+                  <a:pt x="1425520" y="14729"/>
+                  <a:pt x="1589143" y="0"/>
+                </a:cubicBezTo>
+                <a:cubicBezTo>
+                  <a:pt x="1752766" y="-14729"/>
+                  <a:pt x="1948662" y="2788"/>
+                  <a:pt x="2164114" y="0"/>
+                </a:cubicBezTo>
+                <a:cubicBezTo>
+                  <a:pt x="2379566" y="-2788"/>
+                  <a:pt x="2421741" y="-22525"/>
+                  <a:pt x="2645486" y="0"/>
+                </a:cubicBezTo>
+                <a:cubicBezTo>
+                  <a:pt x="2869231" y="22525"/>
+                  <a:pt x="3243981" y="29146"/>
+                  <a:pt x="3501257" y="0"/>
+                </a:cubicBezTo>
+                <a:cubicBezTo>
+                  <a:pt x="3758533" y="-29146"/>
+                  <a:pt x="4075395" y="-17173"/>
+                  <a:pt x="4357029" y="0"/>
+                </a:cubicBezTo>
+                <a:cubicBezTo>
+                  <a:pt x="4638663" y="17173"/>
+                  <a:pt x="4853298" y="-99"/>
+                  <a:pt x="5025600" y="0"/>
+                </a:cubicBezTo>
+                <a:cubicBezTo>
+                  <a:pt x="5197902" y="99"/>
+                  <a:pt x="5231988" y="18246"/>
+                  <a:pt x="5413371" y="0"/>
+                </a:cubicBezTo>
+                <a:cubicBezTo>
+                  <a:pt x="5594754" y="-18246"/>
+                  <a:pt x="5977817" y="33835"/>
+                  <a:pt x="6269143" y="0"/>
+                </a:cubicBezTo>
+                <a:cubicBezTo>
+                  <a:pt x="6560469" y="-33835"/>
+                  <a:pt x="6553499" y="-9003"/>
+                  <a:pt x="6750514" y="0"/>
+                </a:cubicBezTo>
+                <a:cubicBezTo>
+                  <a:pt x="6947529" y="9003"/>
+                  <a:pt x="7246398" y="-9819"/>
+                  <a:pt x="7419086" y="0"/>
+                </a:cubicBezTo>
+                <a:cubicBezTo>
+                  <a:pt x="7591774" y="9819"/>
+                  <a:pt x="7693921" y="-10907"/>
+                  <a:pt x="7806857" y="0"/>
+                </a:cubicBezTo>
+                <a:cubicBezTo>
+                  <a:pt x="7919793" y="10907"/>
+                  <a:pt x="8186745" y="-10648"/>
+                  <a:pt x="8475429" y="0"/>
+                </a:cubicBezTo>
+                <a:cubicBezTo>
+                  <a:pt x="8764113" y="10648"/>
+                  <a:pt x="8831077" y="29663"/>
+                  <a:pt x="9144000" y="0"/>
+                </a:cubicBezTo>
+                <a:cubicBezTo>
+                  <a:pt x="9456923" y="-29663"/>
+                  <a:pt x="9700352" y="-46053"/>
+                  <a:pt x="10080000" y="0"/>
+                </a:cubicBezTo>
+                <a:cubicBezTo>
+                  <a:pt x="10469293" y="-9888"/>
+                  <a:pt x="10780310" y="248554"/>
+                  <a:pt x="10800000" y="720000"/>
+                </a:cubicBezTo>
+                <a:lnTo>
+                  <a:pt x="10800000" y="720000"/>
+                </a:lnTo>
+                <a:cubicBezTo>
+                  <a:pt x="10731016" y="1117750"/>
+                  <a:pt x="10396557" y="1389455"/>
+                  <a:pt x="10080000" y="1440000"/>
+                </a:cubicBezTo>
+                <a:cubicBezTo>
+                  <a:pt x="9925323" y="1460562"/>
+                  <a:pt x="9737221" y="1418296"/>
+                  <a:pt x="9598629" y="1440000"/>
+                </a:cubicBezTo>
+                <a:cubicBezTo>
+                  <a:pt x="9460037" y="1461704"/>
+                  <a:pt x="9015489" y="1427917"/>
+                  <a:pt x="8836457" y="1440000"/>
+                </a:cubicBezTo>
+                <a:cubicBezTo>
+                  <a:pt x="8657425" y="1452083"/>
+                  <a:pt x="8550609" y="1424481"/>
+                  <a:pt x="8355086" y="1440000"/>
+                </a:cubicBezTo>
+                <a:cubicBezTo>
+                  <a:pt x="8159563" y="1455519"/>
+                  <a:pt x="7883142" y="1425891"/>
+                  <a:pt x="7499314" y="1440000"/>
+                </a:cubicBezTo>
+                <a:cubicBezTo>
+                  <a:pt x="7115486" y="1454109"/>
+                  <a:pt x="7094861" y="1453305"/>
+                  <a:pt x="6830743" y="1440000"/>
+                </a:cubicBezTo>
+                <a:cubicBezTo>
+                  <a:pt x="6566625" y="1426695"/>
+                  <a:pt x="6400757" y="1447874"/>
+                  <a:pt x="6255771" y="1440000"/>
+                </a:cubicBezTo>
+                <a:cubicBezTo>
+                  <a:pt x="6110785" y="1432126"/>
+                  <a:pt x="5750500" y="1473156"/>
+                  <a:pt x="5493600" y="1440000"/>
+                </a:cubicBezTo>
+                <a:cubicBezTo>
+                  <a:pt x="5236700" y="1406844"/>
+                  <a:pt x="5055184" y="1432292"/>
+                  <a:pt x="4825029" y="1440000"/>
+                </a:cubicBezTo>
+                <a:cubicBezTo>
+                  <a:pt x="4594874" y="1447708"/>
+                  <a:pt x="4418772" y="1446582"/>
+                  <a:pt x="4062857" y="1440000"/>
+                </a:cubicBezTo>
+                <a:cubicBezTo>
+                  <a:pt x="3706942" y="1433418"/>
+                  <a:pt x="3415402" y="1454501"/>
+                  <a:pt x="3207086" y="1440000"/>
+                </a:cubicBezTo>
+                <a:cubicBezTo>
+                  <a:pt x="2998770" y="1425499"/>
+                  <a:pt x="2881127" y="1460139"/>
+                  <a:pt x="2632114" y="1440000"/>
+                </a:cubicBezTo>
+                <a:cubicBezTo>
+                  <a:pt x="2383101" y="1419861"/>
+                  <a:pt x="2095732" y="1467502"/>
+                  <a:pt x="1869943" y="1440000"/>
+                </a:cubicBezTo>
+                <a:cubicBezTo>
+                  <a:pt x="1644154" y="1412498"/>
+                  <a:pt x="1168192" y="1440284"/>
+                  <a:pt x="720000" y="1440000"/>
+                </a:cubicBezTo>
+                <a:cubicBezTo>
+                  <a:pt x="302949" y="1372953"/>
+                  <a:pt x="-39080" y="1090567"/>
+                  <a:pt x="0" y="720000"/>
+                </a:cubicBezTo>
+                <a:close/>
+              </a:path>
+            </a:pathLst>
+          </a:custGeom>
+          <a:solidFill>
+            <a:schemeClr val="bg1"/>
+          </a:solidFill>
+          <a:ln w="76200">
+            <a:solidFill>
+              <a:schemeClr val="bg1">
+                <a:lumMod val="50000"/>
+              </a:schemeClr>
+            </a:solidFill>
+            <a:extLst>
+              <a:ext uri="{C807C97D-BFC1-408E-A445-0C87EB9F89A2}">
+                <ask:lineSketchStyleProps xmlns:ask="http://schemas.microsoft.com/office/drawing/2018/sketchyshapes" sd="2963308057">
+                  <a:prstGeom prst="roundRect">
+                    <a:avLst>
+                      <a:gd name="adj" fmla="val 50000"/>
+                    </a:avLst>
+                  </a:prstGeom>
+                  <ask:type>
+                    <ask:lineSketchFreehand/>
+                  </ask:type>
+                </ask:lineSketchStyleProps>
+              </a:ext>
+            </a:extLst>
+          </a:ln>
+        </p:spPr>
+        <p:style>
+          <a:lnRef idx="2">
+            <a:schemeClr val="accent6">
+              <a:shade val="50000"/>
+            </a:schemeClr>
+          </a:lnRef>
+          <a:fillRef idx="1">
+            <a:schemeClr val="accent6"/>
+          </a:fillRef>
+          <a:effectRef idx="0">
+            <a:schemeClr val="accent6"/>
+          </a:effectRef>
+          <a:fontRef idx="minor">
+            <a:schemeClr val="lt1"/>
+          </a:fontRef>
+        </p:style>
+        <p:txBody>
+          <a:bodyPr rtlCol="0" anchor="ctr"/>
+          <a:lstStyle/>
+          <a:p>
+            <a:pPr algn="ctr"/>
+            <a:endParaRPr lang="ko-KR" altLang="en-US" dirty="0"/>
+          </a:p>
+        </p:txBody>
+      </p:sp>
+      <p:sp>
+        <p:nvSpPr>
+          <p:cNvPr id="8" name="TextBox 7">
+            <a:extLst>
+              <a:ext uri="{FF2B5EF4-FFF2-40B4-BE49-F238E27FC236}">
+                <a16:creationId xmlns:a16="http://schemas.microsoft.com/office/drawing/2014/main" id="{C4537CB2-DCCD-4C30-A9C4-1F3FEDF22B16}"/>
+              </a:ext>
+            </a:extLst>
+          </p:cNvPr>
+          <p:cNvSpPr txBox="1"/>
+          <p:nvPr/>
+        </p:nvSpPr>
+        <p:spPr>
+          <a:xfrm>
+            <a:off x="359014" y="2169010"/>
+            <a:ext cx="3103275" cy="707886"/>
+          </a:xfrm>
+          <a:prstGeom prst="rect">
+            <a:avLst/>
+          </a:prstGeom>
+          <a:noFill/>
+        </p:spPr>
+        <p:txBody>
+          <a:bodyPr wrap="square" rtlCol="0">
+            <a:spAutoFit/>
+          </a:bodyPr>
+          <a:lstStyle/>
+          <a:p>
+            <a:r>
+              <a:rPr lang="en-US" altLang="ko-KR" sz="4000" dirty="0">
+                <a:latin typeface="Arial Rounded MT Bold" panose="020F0704030504030204" pitchFamily="34" charset="0"/>
+              </a:rPr>
+              <a:t>Nickname</a:t>
+            </a:r>
+            <a:endParaRPr lang="ko-KR" altLang="en-US" sz="4000" dirty="0">
+              <a:latin typeface="Arial Rounded MT Bold" panose="020F0704030504030204" pitchFamily="34" charset="0"/>
+            </a:endParaRPr>
+          </a:p>
+        </p:txBody>
+      </p:sp>
+      <p:sp>
+        <p:nvSpPr>
+          <p:cNvPr id="12" name="사각형: 둥근 모서리 11">
+            <a:extLst>
+              <a:ext uri="{FF2B5EF4-FFF2-40B4-BE49-F238E27FC236}">
+                <a16:creationId xmlns:a16="http://schemas.microsoft.com/office/drawing/2014/main" id="{523C2F0C-351A-4B88-8B10-157D75E9A1C1}"/>
+              </a:ext>
+            </a:extLst>
+          </p:cNvPr>
+          <p:cNvSpPr/>
+          <p:nvPr/>
+        </p:nvSpPr>
+        <p:spPr>
+          <a:xfrm>
+            <a:off x="0" y="3429000"/>
+            <a:ext cx="10800000" cy="1440000"/>
+          </a:xfrm>
+          <a:custGeom>
+            <a:avLst/>
+            <a:gdLst>
+              <a:gd name="connsiteX0" fmla="*/ 0 w 10800000"/>
+              <a:gd name="connsiteY0" fmla="*/ 720000 h 1440000"/>
+              <a:gd name="connsiteX1" fmla="*/ 720000 w 10800000"/>
+              <a:gd name="connsiteY1" fmla="*/ 0 h 1440000"/>
+              <a:gd name="connsiteX2" fmla="*/ 1201371 w 10800000"/>
+              <a:gd name="connsiteY2" fmla="*/ 0 h 1440000"/>
+              <a:gd name="connsiteX3" fmla="*/ 1682743 w 10800000"/>
+              <a:gd name="connsiteY3" fmla="*/ 0 h 1440000"/>
+              <a:gd name="connsiteX4" fmla="*/ 2538514 w 10800000"/>
+              <a:gd name="connsiteY4" fmla="*/ 0 h 1440000"/>
+              <a:gd name="connsiteX5" fmla="*/ 3207086 w 10800000"/>
+              <a:gd name="connsiteY5" fmla="*/ 0 h 1440000"/>
+              <a:gd name="connsiteX6" fmla="*/ 4062857 w 10800000"/>
+              <a:gd name="connsiteY6" fmla="*/ 0 h 1440000"/>
+              <a:gd name="connsiteX7" fmla="*/ 4637829 w 10800000"/>
+              <a:gd name="connsiteY7" fmla="*/ 0 h 1440000"/>
+              <a:gd name="connsiteX8" fmla="*/ 5212800 w 10800000"/>
+              <a:gd name="connsiteY8" fmla="*/ 0 h 1440000"/>
+              <a:gd name="connsiteX9" fmla="*/ 5694171 w 10800000"/>
+              <a:gd name="connsiteY9" fmla="*/ 0 h 1440000"/>
+              <a:gd name="connsiteX10" fmla="*/ 6549943 w 10800000"/>
+              <a:gd name="connsiteY10" fmla="*/ 0 h 1440000"/>
+              <a:gd name="connsiteX11" fmla="*/ 7405714 w 10800000"/>
+              <a:gd name="connsiteY11" fmla="*/ 0 h 1440000"/>
+              <a:gd name="connsiteX12" fmla="*/ 7887086 w 10800000"/>
+              <a:gd name="connsiteY12" fmla="*/ 0 h 1440000"/>
+              <a:gd name="connsiteX13" fmla="*/ 8462057 w 10800000"/>
+              <a:gd name="connsiteY13" fmla="*/ 0 h 1440000"/>
+              <a:gd name="connsiteX14" fmla="*/ 9037029 w 10800000"/>
+              <a:gd name="connsiteY14" fmla="*/ 0 h 1440000"/>
+              <a:gd name="connsiteX15" fmla="*/ 10080000 w 10800000"/>
+              <a:gd name="connsiteY15" fmla="*/ 0 h 1440000"/>
+              <a:gd name="connsiteX16" fmla="*/ 10800000 w 10800000"/>
+              <a:gd name="connsiteY16" fmla="*/ 720000 h 1440000"/>
+              <a:gd name="connsiteX17" fmla="*/ 10800000 w 10800000"/>
+              <a:gd name="connsiteY17" fmla="*/ 720000 h 1440000"/>
+              <a:gd name="connsiteX18" fmla="*/ 10080000 w 10800000"/>
+              <a:gd name="connsiteY18" fmla="*/ 1440000 h 1440000"/>
+              <a:gd name="connsiteX19" fmla="*/ 9598629 w 10800000"/>
+              <a:gd name="connsiteY19" fmla="*/ 1440000 h 1440000"/>
+              <a:gd name="connsiteX20" fmla="*/ 9210857 w 10800000"/>
+              <a:gd name="connsiteY20" fmla="*/ 1440000 h 1440000"/>
+              <a:gd name="connsiteX21" fmla="*/ 8542286 w 10800000"/>
+              <a:gd name="connsiteY21" fmla="*/ 1440000 h 1440000"/>
+              <a:gd name="connsiteX22" fmla="*/ 8154514 w 10800000"/>
+              <a:gd name="connsiteY22" fmla="*/ 1440000 h 1440000"/>
+              <a:gd name="connsiteX23" fmla="*/ 7579543 w 10800000"/>
+              <a:gd name="connsiteY23" fmla="*/ 1440000 h 1440000"/>
+              <a:gd name="connsiteX24" fmla="*/ 6910971 w 10800000"/>
+              <a:gd name="connsiteY24" fmla="*/ 1440000 h 1440000"/>
+              <a:gd name="connsiteX25" fmla="*/ 6242400 w 10800000"/>
+              <a:gd name="connsiteY25" fmla="*/ 1440000 h 1440000"/>
+              <a:gd name="connsiteX26" fmla="*/ 5854629 w 10800000"/>
+              <a:gd name="connsiteY26" fmla="*/ 1440000 h 1440000"/>
+              <a:gd name="connsiteX27" fmla="*/ 5279657 w 10800000"/>
+              <a:gd name="connsiteY27" fmla="*/ 1440000 h 1440000"/>
+              <a:gd name="connsiteX28" fmla="*/ 4798286 w 10800000"/>
+              <a:gd name="connsiteY28" fmla="*/ 1440000 h 1440000"/>
+              <a:gd name="connsiteX29" fmla="*/ 4036114 w 10800000"/>
+              <a:gd name="connsiteY29" fmla="*/ 1440000 h 1440000"/>
+              <a:gd name="connsiteX30" fmla="*/ 3648343 w 10800000"/>
+              <a:gd name="connsiteY30" fmla="*/ 1440000 h 1440000"/>
+              <a:gd name="connsiteX31" fmla="*/ 3260571 w 10800000"/>
+              <a:gd name="connsiteY31" fmla="*/ 1440000 h 1440000"/>
+              <a:gd name="connsiteX32" fmla="*/ 2779200 w 10800000"/>
+              <a:gd name="connsiteY32" fmla="*/ 1440000 h 1440000"/>
+              <a:gd name="connsiteX33" fmla="*/ 2204229 w 10800000"/>
+              <a:gd name="connsiteY33" fmla="*/ 1440000 h 1440000"/>
+              <a:gd name="connsiteX34" fmla="*/ 1535657 w 10800000"/>
+              <a:gd name="connsiteY34" fmla="*/ 1440000 h 1440000"/>
+              <a:gd name="connsiteX35" fmla="*/ 720000 w 10800000"/>
+              <a:gd name="connsiteY35" fmla="*/ 1440000 h 1440000"/>
+              <a:gd name="connsiteX36" fmla="*/ 0 w 10800000"/>
+              <a:gd name="connsiteY36" fmla="*/ 720000 h 1440000"/>
+            </a:gdLst>
+            <a:ahLst/>
+            <a:cxnLst>
+              <a:cxn ang="0">
+                <a:pos x="connsiteX0" y="connsiteY0"/>
+              </a:cxn>
+              <a:cxn ang="0">
+                <a:pos x="connsiteX1" y="connsiteY1"/>
+              </a:cxn>
+              <a:cxn ang="0">
+                <a:pos x="connsiteX2" y="connsiteY2"/>
+              </a:cxn>
+              <a:cxn ang="0">
+                <a:pos x="connsiteX3" y="connsiteY3"/>
+              </a:cxn>
+              <a:cxn ang="0">
+                <a:pos x="connsiteX4" y="connsiteY4"/>
+              </a:cxn>
+              <a:cxn ang="0">
+                <a:pos x="connsiteX5" y="connsiteY5"/>
+              </a:cxn>
+              <a:cxn ang="0">
+                <a:pos x="connsiteX6" y="connsiteY6"/>
+              </a:cxn>
+              <a:cxn ang="0">
+                <a:pos x="connsiteX7" y="connsiteY7"/>
+              </a:cxn>
+              <a:cxn ang="0">
+                <a:pos x="connsiteX8" y="connsiteY8"/>
+              </a:cxn>
+              <a:cxn ang="0">
+                <a:pos x="connsiteX9" y="connsiteY9"/>
+              </a:cxn>
+              <a:cxn ang="0">
+                <a:pos x="connsiteX10" y="connsiteY10"/>
+              </a:cxn>
+              <a:cxn ang="0">
+                <a:pos x="connsiteX11" y="connsiteY11"/>
+              </a:cxn>
+              <a:cxn ang="0">
+                <a:pos x="connsiteX12" y="connsiteY12"/>
+              </a:cxn>
+              <a:cxn ang="0">
+                <a:pos x="connsiteX13" y="connsiteY13"/>
+              </a:cxn>
+              <a:cxn ang="0">
+                <a:pos x="connsiteX14" y="connsiteY14"/>
+              </a:cxn>
+              <a:cxn ang="0">
+                <a:pos x="connsiteX15" y="connsiteY15"/>
+              </a:cxn>
+              <a:cxn ang="0">
+                <a:pos x="connsiteX16" y="connsiteY16"/>
+              </a:cxn>
+              <a:cxn ang="0">
+                <a:pos x="connsiteX17" y="connsiteY17"/>
+              </a:cxn>
+              <a:cxn ang="0">
+                <a:pos x="connsiteX18" y="connsiteY18"/>
+              </a:cxn>
+              <a:cxn ang="0">
+                <a:pos x="connsiteX19" y="connsiteY19"/>
+              </a:cxn>
+              <a:cxn ang="0">
+                <a:pos x="connsiteX20" y="connsiteY20"/>
+              </a:cxn>
+              <a:cxn ang="0">
+                <a:pos x="connsiteX21" y="connsiteY21"/>
+              </a:cxn>
+              <a:cxn ang="0">
+                <a:pos x="connsiteX22" y="connsiteY22"/>
+              </a:cxn>
+              <a:cxn ang="0">
+                <a:pos x="connsiteX23" y="connsiteY23"/>
+              </a:cxn>
+              <a:cxn ang="0">
+                <a:pos x="connsiteX24" y="connsiteY24"/>
+              </a:cxn>
+              <a:cxn ang="0">
+                <a:pos x="connsiteX25" y="connsiteY25"/>
+              </a:cxn>
+              <a:cxn ang="0">
+                <a:pos x="connsiteX26" y="connsiteY26"/>
+              </a:cxn>
+              <a:cxn ang="0">
+                <a:pos x="connsiteX27" y="connsiteY27"/>
+              </a:cxn>
+              <a:cxn ang="0">
+                <a:pos x="connsiteX28" y="connsiteY28"/>
+              </a:cxn>
+              <a:cxn ang="0">
+                <a:pos x="connsiteX29" y="connsiteY29"/>
+              </a:cxn>
+              <a:cxn ang="0">
+                <a:pos x="connsiteX30" y="connsiteY30"/>
+              </a:cxn>
+              <a:cxn ang="0">
+                <a:pos x="connsiteX31" y="connsiteY31"/>
+              </a:cxn>
+              <a:cxn ang="0">
+                <a:pos x="connsiteX32" y="connsiteY32"/>
+              </a:cxn>
+              <a:cxn ang="0">
+                <a:pos x="connsiteX33" y="connsiteY33"/>
+              </a:cxn>
+              <a:cxn ang="0">
+                <a:pos x="connsiteX34" y="connsiteY34"/>
+              </a:cxn>
+              <a:cxn ang="0">
+                <a:pos x="connsiteX35" y="connsiteY35"/>
+              </a:cxn>
+              <a:cxn ang="0">
+                <a:pos x="connsiteX36" y="connsiteY36"/>
+              </a:cxn>
+            </a:cxnLst>
+            <a:rect l="l" t="t" r="r" b="b"/>
+            <a:pathLst>
+              <a:path w="10800000" h="1440000" fill="none" extrusionOk="0">
+                <a:moveTo>
+                  <a:pt x="0" y="720000"/>
+                </a:moveTo>
+                <a:cubicBezTo>
+                  <a:pt x="-4399" y="333055"/>
+                  <a:pt x="399573" y="25526"/>
+                  <a:pt x="720000" y="0"/>
+                </a:cubicBezTo>
+                <a:cubicBezTo>
+                  <a:pt x="826221" y="3843"/>
+                  <a:pt x="1066523" y="-21708"/>
+                  <a:pt x="1201371" y="0"/>
+                </a:cubicBezTo>
+                <a:cubicBezTo>
+                  <a:pt x="1336219" y="21708"/>
+                  <a:pt x="1478614" y="-4942"/>
+                  <a:pt x="1682743" y="0"/>
+                </a:cubicBezTo>
+                <a:cubicBezTo>
+                  <a:pt x="1886872" y="4942"/>
+                  <a:pt x="2249820" y="-36491"/>
+                  <a:pt x="2538514" y="0"/>
+                </a:cubicBezTo>
+                <a:cubicBezTo>
+                  <a:pt x="2827208" y="36491"/>
+                  <a:pt x="2945133" y="10037"/>
+                  <a:pt x="3207086" y="0"/>
+                </a:cubicBezTo>
+                <a:cubicBezTo>
+                  <a:pt x="3469039" y="-10037"/>
+                  <a:pt x="3765655" y="-10855"/>
+                  <a:pt x="4062857" y="0"/>
+                </a:cubicBezTo>
+                <a:cubicBezTo>
+                  <a:pt x="4360059" y="10855"/>
+                  <a:pt x="4380479" y="23099"/>
+                  <a:pt x="4637829" y="0"/>
+                </a:cubicBezTo>
+                <a:cubicBezTo>
+                  <a:pt x="4895179" y="-23099"/>
+                  <a:pt x="5079459" y="27565"/>
+                  <a:pt x="5212800" y="0"/>
+                </a:cubicBezTo>
+                <a:cubicBezTo>
+                  <a:pt x="5346141" y="-27565"/>
+                  <a:pt x="5472120" y="6627"/>
+                  <a:pt x="5694171" y="0"/>
+                </a:cubicBezTo>
+                <a:cubicBezTo>
+                  <a:pt x="5916222" y="-6627"/>
+                  <a:pt x="6332973" y="-16973"/>
+                  <a:pt x="6549943" y="0"/>
+                </a:cubicBezTo>
+                <a:cubicBezTo>
+                  <a:pt x="6766913" y="16973"/>
+                  <a:pt x="7092599" y="19879"/>
+                  <a:pt x="7405714" y="0"/>
+                </a:cubicBezTo>
+                <a:cubicBezTo>
+                  <a:pt x="7718829" y="-19879"/>
+                  <a:pt x="7646823" y="10356"/>
+                  <a:pt x="7887086" y="0"/>
+                </a:cubicBezTo>
+                <a:cubicBezTo>
+                  <a:pt x="8127349" y="-10356"/>
+                  <a:pt x="8288687" y="-17010"/>
+                  <a:pt x="8462057" y="0"/>
+                </a:cubicBezTo>
+                <a:cubicBezTo>
+                  <a:pt x="8635427" y="17010"/>
+                  <a:pt x="8832007" y="11296"/>
+                  <a:pt x="9037029" y="0"/>
+                </a:cubicBezTo>
+                <a:cubicBezTo>
+                  <a:pt x="9242051" y="-11296"/>
+                  <a:pt x="9587642" y="6709"/>
+                  <a:pt x="10080000" y="0"/>
+                </a:cubicBezTo>
+                <a:cubicBezTo>
+                  <a:pt x="10430675" y="21986"/>
+                  <a:pt x="10855184" y="289379"/>
+                  <a:pt x="10800000" y="720000"/>
+                </a:cubicBezTo>
+                <a:lnTo>
+                  <a:pt x="10800000" y="720000"/>
+                </a:lnTo>
+                <a:cubicBezTo>
+                  <a:pt x="10856362" y="1161812"/>
+                  <a:pt x="10464439" y="1343619"/>
+                  <a:pt x="10080000" y="1440000"/>
+                </a:cubicBezTo>
+                <a:cubicBezTo>
+                  <a:pt x="9914689" y="1463489"/>
+                  <a:pt x="9742417" y="1442720"/>
+                  <a:pt x="9598629" y="1440000"/>
+                </a:cubicBezTo>
+                <a:cubicBezTo>
+                  <a:pt x="9454841" y="1437280"/>
+                  <a:pt x="9308953" y="1442604"/>
+                  <a:pt x="9210857" y="1440000"/>
+                </a:cubicBezTo>
+                <a:cubicBezTo>
+                  <a:pt x="9112761" y="1437396"/>
+                  <a:pt x="8861346" y="1435711"/>
+                  <a:pt x="8542286" y="1440000"/>
+                </a:cubicBezTo>
+                <a:cubicBezTo>
+                  <a:pt x="8223226" y="1444289"/>
+                  <a:pt x="8286981" y="1445058"/>
+                  <a:pt x="8154514" y="1440000"/>
+                </a:cubicBezTo>
+                <a:cubicBezTo>
+                  <a:pt x="8022047" y="1434942"/>
+                  <a:pt x="7703874" y="1454515"/>
+                  <a:pt x="7579543" y="1440000"/>
+                </a:cubicBezTo>
+                <a:cubicBezTo>
+                  <a:pt x="7455212" y="1425485"/>
+                  <a:pt x="7121471" y="1421219"/>
+                  <a:pt x="6910971" y="1440000"/>
+                </a:cubicBezTo>
+                <a:cubicBezTo>
+                  <a:pt x="6700471" y="1458781"/>
+                  <a:pt x="6418592" y="1449328"/>
+                  <a:pt x="6242400" y="1440000"/>
+                </a:cubicBezTo>
+                <a:cubicBezTo>
+                  <a:pt x="6066208" y="1430672"/>
+                  <a:pt x="6046488" y="1434293"/>
+                  <a:pt x="5854629" y="1440000"/>
+                </a:cubicBezTo>
+                <a:cubicBezTo>
+                  <a:pt x="5662770" y="1445707"/>
+                  <a:pt x="5432680" y="1433426"/>
+                  <a:pt x="5279657" y="1440000"/>
+                </a:cubicBezTo>
+                <a:cubicBezTo>
+                  <a:pt x="5126634" y="1446574"/>
+                  <a:pt x="4929278" y="1429143"/>
+                  <a:pt x="4798286" y="1440000"/>
+                </a:cubicBezTo>
+                <a:cubicBezTo>
+                  <a:pt x="4667294" y="1450857"/>
+                  <a:pt x="4244409" y="1442209"/>
+                  <a:pt x="4036114" y="1440000"/>
+                </a:cubicBezTo>
+                <a:cubicBezTo>
+                  <a:pt x="3827819" y="1437791"/>
+                  <a:pt x="3755778" y="1445498"/>
+                  <a:pt x="3648343" y="1440000"/>
+                </a:cubicBezTo>
+                <a:cubicBezTo>
+                  <a:pt x="3540908" y="1434502"/>
+                  <a:pt x="3369318" y="1459241"/>
+                  <a:pt x="3260571" y="1440000"/>
+                </a:cubicBezTo>
+                <a:cubicBezTo>
+                  <a:pt x="3151824" y="1420759"/>
+                  <a:pt x="3014754" y="1434670"/>
+                  <a:pt x="2779200" y="1440000"/>
+                </a:cubicBezTo>
+                <a:cubicBezTo>
+                  <a:pt x="2543646" y="1445330"/>
+                  <a:pt x="2393512" y="1460828"/>
+                  <a:pt x="2204229" y="1440000"/>
+                </a:cubicBezTo>
+                <a:cubicBezTo>
+                  <a:pt x="2014946" y="1419172"/>
+                  <a:pt x="1696083" y="1437055"/>
+                  <a:pt x="1535657" y="1440000"/>
+                </a:cubicBezTo>
+                <a:cubicBezTo>
+                  <a:pt x="1375231" y="1442945"/>
+                  <a:pt x="955397" y="1443112"/>
+                  <a:pt x="720000" y="1440000"/>
+                </a:cubicBezTo>
+                <a:cubicBezTo>
+                  <a:pt x="322315" y="1518414"/>
+                  <a:pt x="88483" y="1118515"/>
+                  <a:pt x="0" y="720000"/>
+                </a:cubicBezTo>
+                <a:close/>
+              </a:path>
+              <a:path w="10800000" h="1440000" stroke="0" extrusionOk="0">
+                <a:moveTo>
+                  <a:pt x="0" y="720000"/>
+                </a:moveTo>
+                <a:cubicBezTo>
+                  <a:pt x="56061" y="330305"/>
+                  <a:pt x="318702" y="9949"/>
+                  <a:pt x="720000" y="0"/>
+                </a:cubicBezTo>
+                <a:cubicBezTo>
+                  <a:pt x="864942" y="-16728"/>
+                  <a:pt x="1100415" y="13359"/>
+                  <a:pt x="1201371" y="0"/>
+                </a:cubicBezTo>
+                <a:cubicBezTo>
+                  <a:pt x="1302327" y="-13359"/>
+                  <a:pt x="1652482" y="18316"/>
+                  <a:pt x="1869943" y="0"/>
+                </a:cubicBezTo>
+                <a:cubicBezTo>
+                  <a:pt x="2087404" y="-18316"/>
+                  <a:pt x="2454547" y="-11682"/>
+                  <a:pt x="2725714" y="0"/>
+                </a:cubicBezTo>
+                <a:cubicBezTo>
+                  <a:pt x="2996881" y="11682"/>
+                  <a:pt x="3157398" y="-26894"/>
+                  <a:pt x="3394286" y="0"/>
+                </a:cubicBezTo>
+                <a:cubicBezTo>
+                  <a:pt x="3631174" y="26894"/>
+                  <a:pt x="3713190" y="21921"/>
+                  <a:pt x="3969257" y="0"/>
+                </a:cubicBezTo>
+                <a:cubicBezTo>
+                  <a:pt x="4225324" y="-21921"/>
+                  <a:pt x="4365056" y="14841"/>
+                  <a:pt x="4544229" y="0"/>
+                </a:cubicBezTo>
+                <a:cubicBezTo>
+                  <a:pt x="4723402" y="-14841"/>
+                  <a:pt x="4962259" y="-16342"/>
+                  <a:pt x="5212800" y="0"/>
+                </a:cubicBezTo>
+                <a:cubicBezTo>
+                  <a:pt x="5463341" y="16342"/>
+                  <a:pt x="5587088" y="16577"/>
+                  <a:pt x="5694171" y="0"/>
+                </a:cubicBezTo>
+                <a:cubicBezTo>
+                  <a:pt x="5801254" y="-16577"/>
+                  <a:pt x="6119582" y="10961"/>
+                  <a:pt x="6362743" y="0"/>
+                </a:cubicBezTo>
+                <a:cubicBezTo>
+                  <a:pt x="6605904" y="-10961"/>
+                  <a:pt x="6810996" y="-30306"/>
+                  <a:pt x="7124914" y="0"/>
+                </a:cubicBezTo>
+                <a:cubicBezTo>
+                  <a:pt x="7438832" y="30306"/>
+                  <a:pt x="7601430" y="-20763"/>
+                  <a:pt x="7793486" y="0"/>
+                </a:cubicBezTo>
+                <a:cubicBezTo>
+                  <a:pt x="7985542" y="20763"/>
+                  <a:pt x="8336429" y="30449"/>
+                  <a:pt x="8555657" y="0"/>
+                </a:cubicBezTo>
+                <a:cubicBezTo>
+                  <a:pt x="8774885" y="-30449"/>
+                  <a:pt x="9030218" y="-24908"/>
+                  <a:pt x="9411429" y="0"/>
+                </a:cubicBezTo>
+                <a:cubicBezTo>
+                  <a:pt x="9792640" y="24908"/>
+                  <a:pt x="9879672" y="-16303"/>
+                  <a:pt x="10080000" y="0"/>
+                </a:cubicBezTo>
+                <a:cubicBezTo>
+                  <a:pt x="10517385" y="-43493"/>
+                  <a:pt x="10897255" y="306813"/>
+                  <a:pt x="10800000" y="720000"/>
+                </a:cubicBezTo>
+                <a:lnTo>
+                  <a:pt x="10800000" y="720000"/>
+                </a:lnTo>
+                <a:cubicBezTo>
+                  <a:pt x="10819336" y="1134714"/>
+                  <a:pt x="10467257" y="1436909"/>
+                  <a:pt x="10080000" y="1440000"/>
+                </a:cubicBezTo>
+                <a:cubicBezTo>
+                  <a:pt x="9920247" y="1450310"/>
+                  <a:pt x="9852312" y="1443096"/>
+                  <a:pt x="9692229" y="1440000"/>
+                </a:cubicBezTo>
+                <a:cubicBezTo>
+                  <a:pt x="9532146" y="1436904"/>
+                  <a:pt x="9007914" y="1455737"/>
+                  <a:pt x="8836457" y="1440000"/>
+                </a:cubicBezTo>
+                <a:cubicBezTo>
+                  <a:pt x="8665000" y="1424263"/>
+                  <a:pt x="8467481" y="1414416"/>
+                  <a:pt x="8261486" y="1440000"/>
+                </a:cubicBezTo>
+                <a:cubicBezTo>
+                  <a:pt x="8055491" y="1465584"/>
+                  <a:pt x="7742500" y="1457410"/>
+                  <a:pt x="7592914" y="1440000"/>
+                </a:cubicBezTo>
+                <a:cubicBezTo>
+                  <a:pt x="7443328" y="1422590"/>
+                  <a:pt x="7396904" y="1421660"/>
+                  <a:pt x="7205143" y="1440000"/>
+                </a:cubicBezTo>
+                <a:cubicBezTo>
+                  <a:pt x="7013382" y="1458340"/>
+                  <a:pt x="6946675" y="1463030"/>
+                  <a:pt x="6723771" y="1440000"/>
+                </a:cubicBezTo>
+                <a:cubicBezTo>
+                  <a:pt x="6500867" y="1416970"/>
+                  <a:pt x="6374720" y="1428550"/>
+                  <a:pt x="6148800" y="1440000"/>
+                </a:cubicBezTo>
+                <a:cubicBezTo>
+                  <a:pt x="5922880" y="1451450"/>
+                  <a:pt x="5720385" y="1438779"/>
+                  <a:pt x="5573829" y="1440000"/>
+                </a:cubicBezTo>
+                <a:cubicBezTo>
+                  <a:pt x="5427273" y="1441221"/>
+                  <a:pt x="5022487" y="1438937"/>
+                  <a:pt x="4811657" y="1440000"/>
+                </a:cubicBezTo>
+                <a:cubicBezTo>
+                  <a:pt x="4600827" y="1441063"/>
+                  <a:pt x="4394325" y="1473981"/>
+                  <a:pt x="4049486" y="1440000"/>
+                </a:cubicBezTo>
+                <a:cubicBezTo>
+                  <a:pt x="3704647" y="1406019"/>
+                  <a:pt x="3578905" y="1444746"/>
+                  <a:pt x="3287314" y="1440000"/>
+                </a:cubicBezTo>
+                <a:cubicBezTo>
+                  <a:pt x="2995723" y="1435254"/>
+                  <a:pt x="2900178" y="1416162"/>
+                  <a:pt x="2712343" y="1440000"/>
+                </a:cubicBezTo>
+                <a:cubicBezTo>
+                  <a:pt x="2524508" y="1463838"/>
+                  <a:pt x="2513986" y="1423794"/>
+                  <a:pt x="2324571" y="1440000"/>
+                </a:cubicBezTo>
+                <a:cubicBezTo>
+                  <a:pt x="2135156" y="1456206"/>
+                  <a:pt x="1892733" y="1448089"/>
+                  <a:pt x="1749600" y="1440000"/>
+                </a:cubicBezTo>
+                <a:cubicBezTo>
+                  <a:pt x="1606467" y="1431911"/>
+                  <a:pt x="1213343" y="1437872"/>
+                  <a:pt x="720000" y="1440000"/>
+                </a:cubicBezTo>
+                <a:cubicBezTo>
+                  <a:pt x="267763" y="1477442"/>
+                  <a:pt x="1482" y="1143790"/>
+                  <a:pt x="0" y="720000"/>
+                </a:cubicBezTo>
+                <a:close/>
+              </a:path>
+            </a:pathLst>
+          </a:custGeom>
+          <a:solidFill>
+            <a:schemeClr val="bg1"/>
+          </a:solidFill>
+          <a:ln w="101600" cmpd="sng">
+            <a:solidFill>
+              <a:srgbClr val="FF0000"/>
+            </a:solidFill>
+            <a:extLst>
+              <a:ext uri="{C807C97D-BFC1-408E-A445-0C87EB9F89A2}">
+                <ask:lineSketchStyleProps xmlns:ask="http://schemas.microsoft.com/office/drawing/2018/sketchyshapes" sd="4153261725">
+                  <a:prstGeom prst="roundRect">
+                    <a:avLst>
+                      <a:gd name="adj" fmla="val 50000"/>
+                    </a:avLst>
+                  </a:prstGeom>
+                  <ask:type>
+                    <ask:lineSketchFreehand/>
+                  </ask:type>
+                </ask:lineSketchStyleProps>
+              </a:ext>
+            </a:extLst>
+          </a:ln>
+        </p:spPr>
+        <p:style>
+          <a:lnRef idx="2">
+            <a:schemeClr val="accent6">
+              <a:shade val="50000"/>
+            </a:schemeClr>
+          </a:lnRef>
+          <a:fillRef idx="1">
+            <a:schemeClr val="accent6"/>
+          </a:fillRef>
+          <a:effectRef idx="0">
+            <a:schemeClr val="accent6"/>
+          </a:effectRef>
+          <a:fontRef idx="minor">
+            <a:schemeClr val="lt1"/>
+          </a:fontRef>
+        </p:style>
+        <p:txBody>
+          <a:bodyPr rtlCol="0" anchor="ctr"/>
+          <a:lstStyle/>
+          <a:p>
+            <a:pPr algn="ctr"/>
+            <a:endParaRPr lang="ko-KR" altLang="en-US" dirty="0"/>
+          </a:p>
+        </p:txBody>
+      </p:sp>
+      <p:sp>
+        <p:nvSpPr>
+          <p:cNvPr id="13" name="TextBox 12">
+            <a:extLst>
+              <a:ext uri="{FF2B5EF4-FFF2-40B4-BE49-F238E27FC236}">
+                <a16:creationId xmlns:a16="http://schemas.microsoft.com/office/drawing/2014/main" id="{B6F423C5-09A3-406B-B93F-5466D4E69BFD}"/>
+              </a:ext>
+            </a:extLst>
+          </p:cNvPr>
+          <p:cNvSpPr txBox="1"/>
+          <p:nvPr/>
+        </p:nvSpPr>
+        <p:spPr>
+          <a:xfrm>
+            <a:off x="359015" y="3795057"/>
+            <a:ext cx="3103275" cy="707886"/>
+          </a:xfrm>
+          <a:prstGeom prst="rect">
+            <a:avLst/>
+          </a:prstGeom>
+          <a:noFill/>
+        </p:spPr>
+        <p:txBody>
+          <a:bodyPr wrap="square" rtlCol="0">
+            <a:spAutoFit/>
+          </a:bodyPr>
+          <a:lstStyle/>
+          <a:p>
+            <a:r>
+              <a:rPr lang="en-US" altLang="ko-KR" sz="4000" dirty="0">
+                <a:latin typeface="Arial Rounded MT Bold" panose="020F0704030504030204" pitchFamily="34" charset="0"/>
+              </a:rPr>
+              <a:t>IP</a:t>
+            </a:r>
+            <a:r>
+              <a:rPr lang="ko-KR" altLang="en-US" sz="4000" dirty="0">
+                <a:latin typeface="Arial Rounded MT Bold" panose="020F0704030504030204" pitchFamily="34" charset="0"/>
+              </a:rPr>
+              <a:t> </a:t>
+            </a:r>
+            <a:r>
+              <a:rPr lang="en-US" altLang="ko-KR" sz="4000" dirty="0">
+                <a:latin typeface="Arial Rounded MT Bold" panose="020F0704030504030204" pitchFamily="34" charset="0"/>
+              </a:rPr>
+              <a:t>Address</a:t>
+            </a:r>
+            <a:endParaRPr lang="ko-KR" altLang="en-US" sz="4000" dirty="0">
+              <a:latin typeface="Arial Rounded MT Bold" panose="020F0704030504030204" pitchFamily="34" charset="0"/>
+            </a:endParaRPr>
+          </a:p>
+        </p:txBody>
+      </p:sp>
+      <p:sp>
+        <p:nvSpPr>
+          <p:cNvPr id="14" name="사각형: 둥근 모서리 13">
+            <a:extLst>
+              <a:ext uri="{FF2B5EF4-FFF2-40B4-BE49-F238E27FC236}">
+                <a16:creationId xmlns:a16="http://schemas.microsoft.com/office/drawing/2014/main" id="{A3AD049A-A294-4A37-97CD-D5DF0C2F5915}"/>
+              </a:ext>
+            </a:extLst>
+          </p:cNvPr>
+          <p:cNvSpPr/>
+          <p:nvPr/>
+        </p:nvSpPr>
+        <p:spPr>
+          <a:xfrm>
+            <a:off x="0" y="5302237"/>
+            <a:ext cx="10800000" cy="1440000"/>
+          </a:xfrm>
+          <a:custGeom>
+            <a:avLst/>
+            <a:gdLst>
+              <a:gd name="connsiteX0" fmla="*/ 0 w 10800000"/>
+              <a:gd name="connsiteY0" fmla="*/ 720000 h 1440000"/>
+              <a:gd name="connsiteX1" fmla="*/ 720000 w 10800000"/>
+              <a:gd name="connsiteY1" fmla="*/ 0 h 1440000"/>
+              <a:gd name="connsiteX2" fmla="*/ 1388571 w 10800000"/>
+              <a:gd name="connsiteY2" fmla="*/ 0 h 1440000"/>
+              <a:gd name="connsiteX3" fmla="*/ 1963543 w 10800000"/>
+              <a:gd name="connsiteY3" fmla="*/ 0 h 1440000"/>
+              <a:gd name="connsiteX4" fmla="*/ 2819314 w 10800000"/>
+              <a:gd name="connsiteY4" fmla="*/ 0 h 1440000"/>
+              <a:gd name="connsiteX5" fmla="*/ 3581486 w 10800000"/>
+              <a:gd name="connsiteY5" fmla="*/ 0 h 1440000"/>
+              <a:gd name="connsiteX6" fmla="*/ 4062857 w 10800000"/>
+              <a:gd name="connsiteY6" fmla="*/ 0 h 1440000"/>
+              <a:gd name="connsiteX7" fmla="*/ 4544229 w 10800000"/>
+              <a:gd name="connsiteY7" fmla="*/ 0 h 1440000"/>
+              <a:gd name="connsiteX8" fmla="*/ 5306400 w 10800000"/>
+              <a:gd name="connsiteY8" fmla="*/ 0 h 1440000"/>
+              <a:gd name="connsiteX9" fmla="*/ 5787771 w 10800000"/>
+              <a:gd name="connsiteY9" fmla="*/ 0 h 1440000"/>
+              <a:gd name="connsiteX10" fmla="*/ 6549943 w 10800000"/>
+              <a:gd name="connsiteY10" fmla="*/ 0 h 1440000"/>
+              <a:gd name="connsiteX11" fmla="*/ 7124914 w 10800000"/>
+              <a:gd name="connsiteY11" fmla="*/ 0 h 1440000"/>
+              <a:gd name="connsiteX12" fmla="*/ 7606286 w 10800000"/>
+              <a:gd name="connsiteY12" fmla="*/ 0 h 1440000"/>
+              <a:gd name="connsiteX13" fmla="*/ 8462057 w 10800000"/>
+              <a:gd name="connsiteY13" fmla="*/ 0 h 1440000"/>
+              <a:gd name="connsiteX14" fmla="*/ 9037029 w 10800000"/>
+              <a:gd name="connsiteY14" fmla="*/ 0 h 1440000"/>
+              <a:gd name="connsiteX15" fmla="*/ 10080000 w 10800000"/>
+              <a:gd name="connsiteY15" fmla="*/ 0 h 1440000"/>
+              <a:gd name="connsiteX16" fmla="*/ 10800000 w 10800000"/>
+              <a:gd name="connsiteY16" fmla="*/ 720000 h 1440000"/>
+              <a:gd name="connsiteX17" fmla="*/ 10800000 w 10800000"/>
+              <a:gd name="connsiteY17" fmla="*/ 720000 h 1440000"/>
+              <a:gd name="connsiteX18" fmla="*/ 10080000 w 10800000"/>
+              <a:gd name="connsiteY18" fmla="*/ 1440000 h 1440000"/>
+              <a:gd name="connsiteX19" fmla="*/ 9598629 w 10800000"/>
+              <a:gd name="connsiteY19" fmla="*/ 1440000 h 1440000"/>
+              <a:gd name="connsiteX20" fmla="*/ 8742857 w 10800000"/>
+              <a:gd name="connsiteY20" fmla="*/ 1440000 h 1440000"/>
+              <a:gd name="connsiteX21" fmla="*/ 8261486 w 10800000"/>
+              <a:gd name="connsiteY21" fmla="*/ 1440000 h 1440000"/>
+              <a:gd name="connsiteX22" fmla="*/ 7873714 w 10800000"/>
+              <a:gd name="connsiteY22" fmla="*/ 1440000 h 1440000"/>
+              <a:gd name="connsiteX23" fmla="*/ 7392343 w 10800000"/>
+              <a:gd name="connsiteY23" fmla="*/ 1440000 h 1440000"/>
+              <a:gd name="connsiteX24" fmla="*/ 6817371 w 10800000"/>
+              <a:gd name="connsiteY24" fmla="*/ 1440000 h 1440000"/>
+              <a:gd name="connsiteX25" fmla="*/ 6242400 w 10800000"/>
+              <a:gd name="connsiteY25" fmla="*/ 1440000 h 1440000"/>
+              <a:gd name="connsiteX26" fmla="*/ 5573829 w 10800000"/>
+              <a:gd name="connsiteY26" fmla="*/ 1440000 h 1440000"/>
+              <a:gd name="connsiteX27" fmla="*/ 4905257 w 10800000"/>
+              <a:gd name="connsiteY27" fmla="*/ 1440000 h 1440000"/>
+              <a:gd name="connsiteX28" fmla="*/ 4049486 w 10800000"/>
+              <a:gd name="connsiteY28" fmla="*/ 1440000 h 1440000"/>
+              <a:gd name="connsiteX29" fmla="*/ 3661714 w 10800000"/>
+              <a:gd name="connsiteY29" fmla="*/ 1440000 h 1440000"/>
+              <a:gd name="connsiteX30" fmla="*/ 2993143 w 10800000"/>
+              <a:gd name="connsiteY30" fmla="*/ 1440000 h 1440000"/>
+              <a:gd name="connsiteX31" fmla="*/ 2230971 w 10800000"/>
+              <a:gd name="connsiteY31" fmla="*/ 1440000 h 1440000"/>
+              <a:gd name="connsiteX32" fmla="*/ 1656000 w 10800000"/>
+              <a:gd name="connsiteY32" fmla="*/ 1440000 h 1440000"/>
+              <a:gd name="connsiteX33" fmla="*/ 720000 w 10800000"/>
+              <a:gd name="connsiteY33" fmla="*/ 1440000 h 1440000"/>
+              <a:gd name="connsiteX34" fmla="*/ 0 w 10800000"/>
+              <a:gd name="connsiteY34" fmla="*/ 720000 h 1440000"/>
+            </a:gdLst>
+            <a:ahLst/>
+            <a:cxnLst>
+              <a:cxn ang="0">
+                <a:pos x="connsiteX0" y="connsiteY0"/>
+              </a:cxn>
+              <a:cxn ang="0">
+                <a:pos x="connsiteX1" y="connsiteY1"/>
+              </a:cxn>
+              <a:cxn ang="0">
+                <a:pos x="connsiteX2" y="connsiteY2"/>
+              </a:cxn>
+              <a:cxn ang="0">
+                <a:pos x="connsiteX3" y="connsiteY3"/>
+              </a:cxn>
+              <a:cxn ang="0">
+                <a:pos x="connsiteX4" y="connsiteY4"/>
+              </a:cxn>
+              <a:cxn ang="0">
+                <a:pos x="connsiteX5" y="connsiteY5"/>
+              </a:cxn>
+              <a:cxn ang="0">
+                <a:pos x="connsiteX6" y="connsiteY6"/>
+              </a:cxn>
+              <a:cxn ang="0">
+                <a:pos x="connsiteX7" y="connsiteY7"/>
+              </a:cxn>
+              <a:cxn ang="0">
+                <a:pos x="connsiteX8" y="connsiteY8"/>
+              </a:cxn>
+              <a:cxn ang="0">
+                <a:pos x="connsiteX9" y="connsiteY9"/>
+              </a:cxn>
+              <a:cxn ang="0">
+                <a:pos x="connsiteX10" y="connsiteY10"/>
+              </a:cxn>
+              <a:cxn ang="0">
+                <a:pos x="connsiteX11" y="connsiteY11"/>
+              </a:cxn>
+              <a:cxn ang="0">
+                <a:pos x="connsiteX12" y="connsiteY12"/>
+              </a:cxn>
+              <a:cxn ang="0">
+                <a:pos x="connsiteX13" y="connsiteY13"/>
+              </a:cxn>
+              <a:cxn ang="0">
+                <a:pos x="connsiteX14" y="connsiteY14"/>
+              </a:cxn>
+              <a:cxn ang="0">
+                <a:pos x="connsiteX15" y="connsiteY15"/>
+              </a:cxn>
+              <a:cxn ang="0">
+                <a:pos x="connsiteX16" y="connsiteY16"/>
+              </a:cxn>
+              <a:cxn ang="0">
+                <a:pos x="connsiteX17" y="connsiteY17"/>
+              </a:cxn>
+              <a:cxn ang="0">
+                <a:pos x="connsiteX18" y="connsiteY18"/>
+              </a:cxn>
+              <a:cxn ang="0">
+                <a:pos x="connsiteX19" y="connsiteY19"/>
+              </a:cxn>
+              <a:cxn ang="0">
+                <a:pos x="connsiteX20" y="connsiteY20"/>
+              </a:cxn>
+              <a:cxn ang="0">
+                <a:pos x="connsiteX21" y="connsiteY21"/>
+              </a:cxn>
+              <a:cxn ang="0">
+                <a:pos x="connsiteX22" y="connsiteY22"/>
+              </a:cxn>
+              <a:cxn ang="0">
+                <a:pos x="connsiteX23" y="connsiteY23"/>
+              </a:cxn>
+              <a:cxn ang="0">
+                <a:pos x="connsiteX24" y="connsiteY24"/>
+              </a:cxn>
+              <a:cxn ang="0">
+                <a:pos x="connsiteX25" y="connsiteY25"/>
+              </a:cxn>
+              <a:cxn ang="0">
+                <a:pos x="connsiteX26" y="connsiteY26"/>
+              </a:cxn>
+              <a:cxn ang="0">
+                <a:pos x="connsiteX27" y="connsiteY27"/>
+              </a:cxn>
+              <a:cxn ang="0">
+                <a:pos x="connsiteX28" y="connsiteY28"/>
+              </a:cxn>
+              <a:cxn ang="0">
+                <a:pos x="connsiteX29" y="connsiteY29"/>
+              </a:cxn>
+              <a:cxn ang="0">
+                <a:pos x="connsiteX30" y="connsiteY30"/>
+              </a:cxn>
+              <a:cxn ang="0">
+                <a:pos x="connsiteX31" y="connsiteY31"/>
+              </a:cxn>
+              <a:cxn ang="0">
+                <a:pos x="connsiteX32" y="connsiteY32"/>
+              </a:cxn>
+              <a:cxn ang="0">
+                <a:pos x="connsiteX33" y="connsiteY33"/>
+              </a:cxn>
+              <a:cxn ang="0">
+                <a:pos x="connsiteX34" y="connsiteY34"/>
+              </a:cxn>
+            </a:cxnLst>
+            <a:rect l="l" t="t" r="r" b="b"/>
+            <a:pathLst>
+              <a:path w="10800000" h="1440000" fill="none" extrusionOk="0">
+                <a:moveTo>
+                  <a:pt x="0" y="720000"/>
+                </a:moveTo>
+                <a:cubicBezTo>
+                  <a:pt x="-14719" y="245537"/>
+                  <a:pt x="371962" y="26138"/>
+                  <a:pt x="720000" y="0"/>
+                </a:cubicBezTo>
+                <a:cubicBezTo>
+                  <a:pt x="881071" y="-25500"/>
+                  <a:pt x="1115977" y="3172"/>
+                  <a:pt x="1388571" y="0"/>
+                </a:cubicBezTo>
+                <a:cubicBezTo>
+                  <a:pt x="1661165" y="-3172"/>
+                  <a:pt x="1755147" y="14349"/>
+                  <a:pt x="1963543" y="0"/>
+                </a:cubicBezTo>
+                <a:cubicBezTo>
+                  <a:pt x="2171939" y="-14349"/>
+                  <a:pt x="2592902" y="2358"/>
+                  <a:pt x="2819314" y="0"/>
+                </a:cubicBezTo>
+                <a:cubicBezTo>
+                  <a:pt x="3045726" y="-2358"/>
+                  <a:pt x="3401307" y="-36401"/>
+                  <a:pt x="3581486" y="0"/>
+                </a:cubicBezTo>
+                <a:cubicBezTo>
+                  <a:pt x="3761665" y="36401"/>
+                  <a:pt x="3944787" y="-12515"/>
+                  <a:pt x="4062857" y="0"/>
+                </a:cubicBezTo>
+                <a:cubicBezTo>
+                  <a:pt x="4180927" y="12515"/>
+                  <a:pt x="4442501" y="3779"/>
+                  <a:pt x="4544229" y="0"/>
+                </a:cubicBezTo>
+                <a:cubicBezTo>
+                  <a:pt x="4645957" y="-3779"/>
+                  <a:pt x="5103595" y="-1263"/>
+                  <a:pt x="5306400" y="0"/>
+                </a:cubicBezTo>
+                <a:cubicBezTo>
+                  <a:pt x="5509205" y="1263"/>
+                  <a:pt x="5569018" y="-23193"/>
+                  <a:pt x="5787771" y="0"/>
+                </a:cubicBezTo>
+                <a:cubicBezTo>
+                  <a:pt x="6006524" y="23193"/>
+                  <a:pt x="6314181" y="-21435"/>
+                  <a:pt x="6549943" y="0"/>
+                </a:cubicBezTo>
+                <a:cubicBezTo>
+                  <a:pt x="6785705" y="21435"/>
+                  <a:pt x="6908475" y="-8768"/>
+                  <a:pt x="7124914" y="0"/>
+                </a:cubicBezTo>
+                <a:cubicBezTo>
+                  <a:pt x="7341353" y="8768"/>
+                  <a:pt x="7507685" y="2568"/>
+                  <a:pt x="7606286" y="0"/>
+                </a:cubicBezTo>
+                <a:cubicBezTo>
+                  <a:pt x="7704887" y="-2568"/>
+                  <a:pt x="8144362" y="22426"/>
+                  <a:pt x="8462057" y="0"/>
+                </a:cubicBezTo>
+                <a:cubicBezTo>
+                  <a:pt x="8779752" y="-22426"/>
+                  <a:pt x="8800010" y="-27953"/>
+                  <a:pt x="9037029" y="0"/>
+                </a:cubicBezTo>
+                <a:cubicBezTo>
+                  <a:pt x="9274048" y="27953"/>
+                  <a:pt x="9661895" y="41402"/>
+                  <a:pt x="10080000" y="0"/>
+                </a:cubicBezTo>
+                <a:cubicBezTo>
+                  <a:pt x="10490074" y="82230"/>
+                  <a:pt x="10765805" y="389389"/>
+                  <a:pt x="10800000" y="720000"/>
+                </a:cubicBezTo>
+                <a:lnTo>
+                  <a:pt x="10800000" y="720000"/>
+                </a:lnTo>
+                <a:cubicBezTo>
+                  <a:pt x="10872547" y="1149211"/>
+                  <a:pt x="10497557" y="1520791"/>
+                  <a:pt x="10080000" y="1440000"/>
+                </a:cubicBezTo>
+                <a:cubicBezTo>
+                  <a:pt x="9888813" y="1462991"/>
+                  <a:pt x="9785269" y="1420885"/>
+                  <a:pt x="9598629" y="1440000"/>
+                </a:cubicBezTo>
+                <a:cubicBezTo>
+                  <a:pt x="9411989" y="1459115"/>
+                  <a:pt x="8970545" y="1446488"/>
+                  <a:pt x="8742857" y="1440000"/>
+                </a:cubicBezTo>
+                <a:cubicBezTo>
+                  <a:pt x="8515169" y="1433512"/>
+                  <a:pt x="8375668" y="1423575"/>
+                  <a:pt x="8261486" y="1440000"/>
+                </a:cubicBezTo>
+                <a:cubicBezTo>
+                  <a:pt x="8147304" y="1456425"/>
+                  <a:pt x="8060176" y="1426188"/>
+                  <a:pt x="7873714" y="1440000"/>
+                </a:cubicBezTo>
+                <a:cubicBezTo>
+                  <a:pt x="7687252" y="1453812"/>
+                  <a:pt x="7542222" y="1433277"/>
+                  <a:pt x="7392343" y="1440000"/>
+                </a:cubicBezTo>
+                <a:cubicBezTo>
+                  <a:pt x="7242464" y="1446723"/>
+                  <a:pt x="6999652" y="1421777"/>
+                  <a:pt x="6817371" y="1440000"/>
+                </a:cubicBezTo>
+                <a:cubicBezTo>
+                  <a:pt x="6635090" y="1458223"/>
+                  <a:pt x="6525627" y="1449989"/>
+                  <a:pt x="6242400" y="1440000"/>
+                </a:cubicBezTo>
+                <a:cubicBezTo>
+                  <a:pt x="5959173" y="1430011"/>
+                  <a:pt x="5713100" y="1464408"/>
+                  <a:pt x="5573829" y="1440000"/>
+                </a:cubicBezTo>
+                <a:cubicBezTo>
+                  <a:pt x="5434558" y="1415592"/>
+                  <a:pt x="5170453" y="1437558"/>
+                  <a:pt x="4905257" y="1440000"/>
+                </a:cubicBezTo>
+                <a:cubicBezTo>
+                  <a:pt x="4640061" y="1442442"/>
+                  <a:pt x="4316143" y="1459751"/>
+                  <a:pt x="4049486" y="1440000"/>
+                </a:cubicBezTo>
+                <a:cubicBezTo>
+                  <a:pt x="3782829" y="1420249"/>
+                  <a:pt x="3757393" y="1438823"/>
+                  <a:pt x="3661714" y="1440000"/>
+                </a:cubicBezTo>
+                <a:cubicBezTo>
+                  <a:pt x="3566035" y="1441177"/>
+                  <a:pt x="3174393" y="1413252"/>
+                  <a:pt x="2993143" y="1440000"/>
+                </a:cubicBezTo>
+                <a:cubicBezTo>
+                  <a:pt x="2811893" y="1466748"/>
+                  <a:pt x="2561564" y="1477282"/>
+                  <a:pt x="2230971" y="1440000"/>
+                </a:cubicBezTo>
+                <a:cubicBezTo>
+                  <a:pt x="1900378" y="1402718"/>
+                  <a:pt x="1892770" y="1460856"/>
+                  <a:pt x="1656000" y="1440000"/>
+                </a:cubicBezTo>
+                <a:cubicBezTo>
+                  <a:pt x="1419230" y="1419144"/>
+                  <a:pt x="1113927" y="1409578"/>
+                  <a:pt x="720000" y="1440000"/>
+                </a:cubicBezTo>
+                <a:cubicBezTo>
+                  <a:pt x="307701" y="1498774"/>
+                  <a:pt x="25476" y="1108615"/>
+                  <a:pt x="0" y="720000"/>
+                </a:cubicBezTo>
+                <a:close/>
+              </a:path>
+              <a:path w="10800000" h="1440000" stroke="0" extrusionOk="0">
+                <a:moveTo>
+                  <a:pt x="0" y="720000"/>
+                </a:moveTo>
+                <a:cubicBezTo>
+                  <a:pt x="46156" y="286455"/>
+                  <a:pt x="330602" y="-55294"/>
+                  <a:pt x="720000" y="0"/>
+                </a:cubicBezTo>
+                <a:cubicBezTo>
+                  <a:pt x="850326" y="-23832"/>
+                  <a:pt x="1084113" y="-10286"/>
+                  <a:pt x="1201371" y="0"/>
+                </a:cubicBezTo>
+                <a:cubicBezTo>
+                  <a:pt x="1318629" y="10286"/>
+                  <a:pt x="1425520" y="14729"/>
+                  <a:pt x="1589143" y="0"/>
+                </a:cubicBezTo>
+                <a:cubicBezTo>
+                  <a:pt x="1752766" y="-14729"/>
+                  <a:pt x="1948662" y="2788"/>
+                  <a:pt x="2164114" y="0"/>
+                </a:cubicBezTo>
+                <a:cubicBezTo>
+                  <a:pt x="2379566" y="-2788"/>
+                  <a:pt x="2421741" y="-22525"/>
+                  <a:pt x="2645486" y="0"/>
+                </a:cubicBezTo>
+                <a:cubicBezTo>
+                  <a:pt x="2869231" y="22525"/>
+                  <a:pt x="3243981" y="29146"/>
+                  <a:pt x="3501257" y="0"/>
+                </a:cubicBezTo>
+                <a:cubicBezTo>
+                  <a:pt x="3758533" y="-29146"/>
+                  <a:pt x="4075395" y="-17173"/>
+                  <a:pt x="4357029" y="0"/>
+                </a:cubicBezTo>
+                <a:cubicBezTo>
+                  <a:pt x="4638663" y="17173"/>
+                  <a:pt x="4853298" y="-99"/>
+                  <a:pt x="5025600" y="0"/>
+                </a:cubicBezTo>
+                <a:cubicBezTo>
+                  <a:pt x="5197902" y="99"/>
+                  <a:pt x="5231988" y="18246"/>
+                  <a:pt x="5413371" y="0"/>
+                </a:cubicBezTo>
+                <a:cubicBezTo>
+                  <a:pt x="5594754" y="-18246"/>
+                  <a:pt x="5977817" y="33835"/>
+                  <a:pt x="6269143" y="0"/>
+                </a:cubicBezTo>
+                <a:cubicBezTo>
+                  <a:pt x="6560469" y="-33835"/>
+                  <a:pt x="6553499" y="-9003"/>
+                  <a:pt x="6750514" y="0"/>
+                </a:cubicBezTo>
+                <a:cubicBezTo>
+                  <a:pt x="6947529" y="9003"/>
+                  <a:pt x="7246398" y="-9819"/>
+                  <a:pt x="7419086" y="0"/>
+                </a:cubicBezTo>
+                <a:cubicBezTo>
+                  <a:pt x="7591774" y="9819"/>
+                  <a:pt x="7693921" y="-10907"/>
+                  <a:pt x="7806857" y="0"/>
+                </a:cubicBezTo>
+                <a:cubicBezTo>
+                  <a:pt x="7919793" y="10907"/>
+                  <a:pt x="8186745" y="-10648"/>
+                  <a:pt x="8475429" y="0"/>
+                </a:cubicBezTo>
+                <a:cubicBezTo>
+                  <a:pt x="8764113" y="10648"/>
+                  <a:pt x="8831077" y="29663"/>
+                  <a:pt x="9144000" y="0"/>
+                </a:cubicBezTo>
+                <a:cubicBezTo>
+                  <a:pt x="9456923" y="-29663"/>
+                  <a:pt x="9700352" y="-46053"/>
+                  <a:pt x="10080000" y="0"/>
+                </a:cubicBezTo>
+                <a:cubicBezTo>
+                  <a:pt x="10469293" y="-9888"/>
+                  <a:pt x="10780310" y="248554"/>
+                  <a:pt x="10800000" y="720000"/>
+                </a:cubicBezTo>
+                <a:lnTo>
+                  <a:pt x="10800000" y="720000"/>
+                </a:lnTo>
+                <a:cubicBezTo>
+                  <a:pt x="10731016" y="1117750"/>
+                  <a:pt x="10396557" y="1389455"/>
+                  <a:pt x="10080000" y="1440000"/>
+                </a:cubicBezTo>
+                <a:cubicBezTo>
+                  <a:pt x="9925323" y="1460562"/>
+                  <a:pt x="9737221" y="1418296"/>
+                  <a:pt x="9598629" y="1440000"/>
+                </a:cubicBezTo>
+                <a:cubicBezTo>
+                  <a:pt x="9460037" y="1461704"/>
+                  <a:pt x="9015489" y="1427917"/>
+                  <a:pt x="8836457" y="1440000"/>
+                </a:cubicBezTo>
+                <a:cubicBezTo>
+                  <a:pt x="8657425" y="1452083"/>
+                  <a:pt x="8550609" y="1424481"/>
+                  <a:pt x="8355086" y="1440000"/>
+                </a:cubicBezTo>
+                <a:cubicBezTo>
+                  <a:pt x="8159563" y="1455519"/>
+                  <a:pt x="7883142" y="1425891"/>
+                  <a:pt x="7499314" y="1440000"/>
+                </a:cubicBezTo>
+                <a:cubicBezTo>
+                  <a:pt x="7115486" y="1454109"/>
+                  <a:pt x="7094861" y="1453305"/>
+                  <a:pt x="6830743" y="1440000"/>
+                </a:cubicBezTo>
+                <a:cubicBezTo>
+                  <a:pt x="6566625" y="1426695"/>
+                  <a:pt x="6400757" y="1447874"/>
+                  <a:pt x="6255771" y="1440000"/>
+                </a:cubicBezTo>
+                <a:cubicBezTo>
+                  <a:pt x="6110785" y="1432126"/>
+                  <a:pt x="5750500" y="1473156"/>
+                  <a:pt x="5493600" y="1440000"/>
+                </a:cubicBezTo>
+                <a:cubicBezTo>
+                  <a:pt x="5236700" y="1406844"/>
+                  <a:pt x="5055184" y="1432292"/>
+                  <a:pt x="4825029" y="1440000"/>
+                </a:cubicBezTo>
+                <a:cubicBezTo>
+                  <a:pt x="4594874" y="1447708"/>
+                  <a:pt x="4418772" y="1446582"/>
+                  <a:pt x="4062857" y="1440000"/>
+                </a:cubicBezTo>
+                <a:cubicBezTo>
+                  <a:pt x="3706942" y="1433418"/>
+                  <a:pt x="3415402" y="1454501"/>
+                  <a:pt x="3207086" y="1440000"/>
+                </a:cubicBezTo>
+                <a:cubicBezTo>
+                  <a:pt x="2998770" y="1425499"/>
+                  <a:pt x="2881127" y="1460139"/>
+                  <a:pt x="2632114" y="1440000"/>
+                </a:cubicBezTo>
+                <a:cubicBezTo>
+                  <a:pt x="2383101" y="1419861"/>
+                  <a:pt x="2095732" y="1467502"/>
+                  <a:pt x="1869943" y="1440000"/>
+                </a:cubicBezTo>
+                <a:cubicBezTo>
+                  <a:pt x="1644154" y="1412498"/>
+                  <a:pt x="1168192" y="1440284"/>
+                  <a:pt x="720000" y="1440000"/>
+                </a:cubicBezTo>
+                <a:cubicBezTo>
+                  <a:pt x="302949" y="1372953"/>
+                  <a:pt x="-39080" y="1090567"/>
+                  <a:pt x="0" y="720000"/>
+                </a:cubicBezTo>
+                <a:close/>
+              </a:path>
+            </a:pathLst>
+          </a:custGeom>
+          <a:solidFill>
+            <a:schemeClr val="bg1"/>
+          </a:solidFill>
+          <a:ln w="101600" cmpd="sng">
+            <a:solidFill>
+              <a:srgbClr val="FF0000"/>
+            </a:solidFill>
+            <a:extLst>
+              <a:ext uri="{C807C97D-BFC1-408E-A445-0C87EB9F89A2}">
+                <ask:lineSketchStyleProps xmlns:ask="http://schemas.microsoft.com/office/drawing/2018/sketchyshapes" sd="2963308057">
+                  <a:prstGeom prst="roundRect">
+                    <a:avLst>
+                      <a:gd name="adj" fmla="val 50000"/>
+                    </a:avLst>
+                  </a:prstGeom>
+                  <ask:type>
+                    <ask:lineSketchFreehand/>
+                  </ask:type>
+                </ask:lineSketchStyleProps>
+              </a:ext>
+            </a:extLst>
+          </a:ln>
+        </p:spPr>
+        <p:style>
+          <a:lnRef idx="2">
+            <a:schemeClr val="accent6">
+              <a:shade val="50000"/>
+            </a:schemeClr>
+          </a:lnRef>
+          <a:fillRef idx="1">
+            <a:schemeClr val="accent6"/>
+          </a:fillRef>
+          <a:effectRef idx="0">
+            <a:schemeClr val="accent6"/>
+          </a:effectRef>
+          <a:fontRef idx="minor">
+            <a:schemeClr val="lt1"/>
+          </a:fontRef>
+        </p:style>
+        <p:txBody>
+          <a:bodyPr rtlCol="0" anchor="ctr"/>
+          <a:lstStyle/>
+          <a:p>
+            <a:pPr algn="ctr"/>
+            <a:endParaRPr lang="ko-KR" altLang="en-US" dirty="0"/>
+          </a:p>
+        </p:txBody>
+      </p:sp>
+      <p:sp>
+        <p:nvSpPr>
+          <p:cNvPr id="15" name="TextBox 14">
+            <a:extLst>
+              <a:ext uri="{FF2B5EF4-FFF2-40B4-BE49-F238E27FC236}">
+                <a16:creationId xmlns:a16="http://schemas.microsoft.com/office/drawing/2014/main" id="{577F0D50-87FC-439C-A739-847A6CF53CFD}"/>
+              </a:ext>
+            </a:extLst>
+          </p:cNvPr>
+          <p:cNvSpPr txBox="1"/>
+          <p:nvPr/>
+        </p:nvSpPr>
+        <p:spPr>
+          <a:xfrm>
+            <a:off x="359014" y="5668294"/>
+            <a:ext cx="3103275" cy="707886"/>
+          </a:xfrm>
+          <a:prstGeom prst="rect">
+            <a:avLst/>
+          </a:prstGeom>
+          <a:noFill/>
+        </p:spPr>
+        <p:txBody>
+          <a:bodyPr wrap="square" rtlCol="0">
+            <a:spAutoFit/>
+          </a:bodyPr>
+          <a:lstStyle/>
+          <a:p>
+            <a:r>
+              <a:rPr lang="en-US" altLang="ko-KR" sz="4000" dirty="0">
+                <a:latin typeface="Arial Rounded MT Bold" panose="020F0704030504030204" pitchFamily="34" charset="0"/>
+              </a:rPr>
+              <a:t>Nickname</a:t>
+            </a:r>
+            <a:endParaRPr lang="ko-KR" altLang="en-US" sz="4000" dirty="0">
+              <a:latin typeface="Arial Rounded MT Bold" panose="020F0704030504030204" pitchFamily="34" charset="0"/>
+            </a:endParaRPr>
+          </a:p>
+        </p:txBody>
+      </p:sp>
     </p:spTree>
     <p:extLst>
       <p:ext uri="{BB962C8B-B14F-4D97-AF65-F5344CB8AC3E}">
